--- a/course_resources/slides/Used/009_Correlation_Scatter.pptx
+++ b/course_resources/slides/Used/009_Correlation_Scatter.pptx
@@ -6,31 +6,32 @@
   </p:sldMasterIdLst>
   <p:sldIdLst>
     <p:sldId id="276" r:id="rId2"/>
-    <p:sldId id="274" r:id="rId3"/>
-    <p:sldId id="275" r:id="rId4"/>
-    <p:sldId id="277" r:id="rId5"/>
-    <p:sldId id="280" r:id="rId6"/>
-    <p:sldId id="281" r:id="rId7"/>
-    <p:sldId id="282" r:id="rId8"/>
-    <p:sldId id="256" r:id="rId9"/>
-    <p:sldId id="257" r:id="rId10"/>
-    <p:sldId id="271" r:id="rId11"/>
-    <p:sldId id="259" r:id="rId12"/>
-    <p:sldId id="258" r:id="rId13"/>
-    <p:sldId id="261" r:id="rId14"/>
-    <p:sldId id="262" r:id="rId15"/>
-    <p:sldId id="263" r:id="rId16"/>
-    <p:sldId id="264" r:id="rId17"/>
-    <p:sldId id="265" r:id="rId18"/>
-    <p:sldId id="278" r:id="rId19"/>
-    <p:sldId id="270" r:id="rId20"/>
-    <p:sldId id="266" r:id="rId21"/>
-    <p:sldId id="267" r:id="rId22"/>
-    <p:sldId id="268" r:id="rId23"/>
-    <p:sldId id="269" r:id="rId24"/>
-    <p:sldId id="279" r:id="rId25"/>
-    <p:sldId id="272" r:id="rId26"/>
-    <p:sldId id="273" r:id="rId27"/>
+    <p:sldId id="283" r:id="rId3"/>
+    <p:sldId id="274" r:id="rId4"/>
+    <p:sldId id="275" r:id="rId5"/>
+    <p:sldId id="277" r:id="rId6"/>
+    <p:sldId id="280" r:id="rId7"/>
+    <p:sldId id="281" r:id="rId8"/>
+    <p:sldId id="282" r:id="rId9"/>
+    <p:sldId id="256" r:id="rId10"/>
+    <p:sldId id="257" r:id="rId11"/>
+    <p:sldId id="271" r:id="rId12"/>
+    <p:sldId id="259" r:id="rId13"/>
+    <p:sldId id="258" r:id="rId14"/>
+    <p:sldId id="261" r:id="rId15"/>
+    <p:sldId id="262" r:id="rId16"/>
+    <p:sldId id="263" r:id="rId17"/>
+    <p:sldId id="264" r:id="rId18"/>
+    <p:sldId id="265" r:id="rId19"/>
+    <p:sldId id="278" r:id="rId20"/>
+    <p:sldId id="270" r:id="rId21"/>
+    <p:sldId id="266" r:id="rId22"/>
+    <p:sldId id="267" r:id="rId23"/>
+    <p:sldId id="268" r:id="rId24"/>
+    <p:sldId id="269" r:id="rId25"/>
+    <p:sldId id="279" r:id="rId26"/>
+    <p:sldId id="272" r:id="rId27"/>
+    <p:sldId id="273" r:id="rId28"/>
   </p:sldIdLst>
   <p:sldSz cx="12192000" cy="6858000"/>
   <p:notesSz cx="6858000" cy="9144000"/>
@@ -4513,6 +4514,24 @@
               <a:t>Intro to errors, residuals, and real predictive models. </a:t>
             </a:r>
           </a:p>
+          <a:p>
+            <a:pPr lvl="1"/>
+            <a:r>
+              <a:rPr lang="en-US" dirty="0"/>
+              <a:t>That’s REAL PREDICTIVE MODELS!!!!</a:t>
+            </a:r>
+          </a:p>
+          <a:p>
+            <a:r>
+              <a:rPr lang="en-US" dirty="0"/>
+              <a:t>Test – </a:t>
+            </a:r>
+            <a:r>
+              <a:rPr lang="en-US"/>
+              <a:t>average around 80. </a:t>
+            </a:r>
+            <a:endParaRPr lang="en-US" dirty="0"/>
+          </a:p>
         </p:txBody>
       </p:sp>
       <mc:AlternateContent xmlns:mc="http://schemas.openxmlformats.org/markup-compatibility/2006" xmlns:p14="http://schemas.microsoft.com/office/powerpoint/2010/main">
@@ -4582,30 +4601,6 @@
 <file path=ppt/slides/slide10.xml><?xml version="1.0" encoding="utf-8"?>
 <p:sld xmlns:a="http://schemas.openxmlformats.org/drawingml/2006/main" xmlns:r="http://schemas.openxmlformats.org/officeDocument/2006/relationships" xmlns:p="http://schemas.openxmlformats.org/presentationml/2006/main">
   <p:cSld>
-    <p:bg>
-      <p:bgPr>
-        <a:gradFill rotWithShape="1">
-          <a:gsLst>
-            <a:gs pos="0">
-              <a:schemeClr val="bg2">
-                <a:tint val="94000"/>
-                <a:satMod val="80000"/>
-                <a:lumMod val="106000"/>
-              </a:schemeClr>
-            </a:gs>
-            <a:gs pos="100000">
-              <a:schemeClr val="bg2">
-                <a:shade val="80000"/>
-              </a:schemeClr>
-            </a:gs>
-          </a:gsLst>
-          <a:path path="circle">
-            <a:fillToRect l="43000" r="43000" b="100000"/>
-          </a:path>
-        </a:gradFill>
-        <a:effectLst/>
-      </p:bgPr>
-    </p:bg>
     <p:spTree>
       <p:nvGrpSpPr>
         <p:cNvPr id="1" name=""/>
@@ -4625,7 +4620,7 @@
           <p:cNvPr id="2" name="Title 1">
             <a:extLst>
               <a:ext uri="{FF2B5EF4-FFF2-40B4-BE49-F238E27FC236}">
-                <a16:creationId xmlns:a16="http://schemas.microsoft.com/office/drawing/2014/main" id="{70BEA02A-EDBE-E549-8FF8-DDCF9B261337}"/>
+                <a16:creationId xmlns:a16="http://schemas.microsoft.com/office/drawing/2014/main" id="{1E205D92-5291-B245-B7AC-076C06F93146}"/>
               </a:ext>
             </a:extLst>
           </p:cNvPr>
@@ -4636,21 +4631,14 @@
             <p:ph type="title"/>
           </p:nvPr>
         </p:nvSpPr>
-        <p:spPr>
-          <a:xfrm>
-            <a:off x="1451579" y="804519"/>
-            <a:ext cx="9603275" cy="1049235"/>
-          </a:xfrm>
-        </p:spPr>
-        <p:txBody>
-          <a:bodyPr>
-            <a:normAutofit/>
-          </a:bodyPr>
+        <p:spPr/>
+        <p:txBody>
+          <a:bodyPr/>
           <a:lstStyle/>
           <a:p>
             <a:r>
               <a:rPr lang="en-US" dirty="0"/>
-              <a:t>Scatterplot</a:t>
+              <a:t>Relationships between Variables</a:t>
             </a:r>
           </a:p>
         </p:txBody>
@@ -4660,7 +4648,7 @@
           <p:cNvPr id="3" name="Content Placeholder 2">
             <a:extLst>
               <a:ext uri="{FF2B5EF4-FFF2-40B4-BE49-F238E27FC236}">
-                <a16:creationId xmlns:a16="http://schemas.microsoft.com/office/drawing/2014/main" id="{FFF6C65F-7842-5244-8838-4AE0ABE93962}"/>
+                <a16:creationId xmlns:a16="http://schemas.microsoft.com/office/drawing/2014/main" id="{475C5E76-8455-B646-9B24-CEEF2B74BE3B}"/>
               </a:ext>
             </a:extLst>
           </p:cNvPr>
@@ -4673,110 +4661,65 @@
         </p:nvSpPr>
         <p:spPr>
           <a:xfrm>
-            <a:off x="457201" y="2015734"/>
-            <a:ext cx="4203988" cy="4037747"/>
+            <a:off x="1451579" y="2015732"/>
+            <a:ext cx="9603275" cy="4162044"/>
           </a:xfrm>
         </p:spPr>
         <p:txBody>
-          <a:bodyPr>
-            <a:normAutofit/>
-          </a:bodyPr>
+          <a:bodyPr/>
           <a:lstStyle/>
           <a:p>
             <a:r>
               <a:rPr lang="en-US" dirty="0"/>
-              <a:t>Scatterplots are a simple tool for examining correlation graphically. </a:t>
-            </a:r>
-          </a:p>
-          <a:p>
-            <a:r>
-              <a:rPr lang="en-US" dirty="0"/>
-              <a:t>Book highlights some extensions:</a:t>
+              <a:t>Until now we have looked at the distribution of one value at a time.</a:t>
             </a:r>
           </a:p>
           <a:p>
             <a:pPr lvl="1"/>
             <a:r>
               <a:rPr lang="en-US" dirty="0"/>
-              <a:t>Jitter – to make patterns more easily read.</a:t>
+              <a:t>Distribution shape.</a:t>
             </a:r>
           </a:p>
           <a:p>
             <a:pPr lvl="1"/>
             <a:r>
-              <a:rPr lang="en-US" dirty="0" err="1"/>
-              <a:t>Hexbin</a:t>
-            </a:r>
-            <a:r>
-              <a:rPr lang="en-US" dirty="0"/>
-              <a:t> – sort of a 2d histogram. </a:t>
+              <a:rPr lang="en-US" dirty="0"/>
+              <a:t>Slicing variables into segments and comparing them or their effect size. </a:t>
+            </a:r>
+          </a:p>
+          <a:p>
+            <a:r>
+              <a:rPr lang="en-US" dirty="0"/>
+              <a:t>We can also look at the relationship between two variables:</a:t>
             </a:r>
           </a:p>
           <a:p>
             <a:pPr lvl="1"/>
             <a:r>
               <a:rPr lang="en-US" dirty="0"/>
-              <a:t>See this in code in a minute. </a:t>
-            </a:r>
-          </a:p>
-          <a:p>
-            <a:r>
-              <a:rPr lang="en-US" dirty="0"/>
-              <a:t>The more the data “forms a line” the higher the correlation is. </a:t>
-            </a:r>
-          </a:p>
-        </p:txBody>
-      </p:sp>
-      <p:pic>
-        <p:nvPicPr>
-          <p:cNvPr id="10242" name="Picture 2" descr="How to Make a Scatter Plot in R with ggplot2 - Sharp Sight">
-            <a:extLst>
-              <a:ext uri="{FF2B5EF4-FFF2-40B4-BE49-F238E27FC236}">
-                <a16:creationId xmlns:a16="http://schemas.microsoft.com/office/drawing/2014/main" id="{C9587F2C-3A73-164E-B619-EE616A040BF1}"/>
-              </a:ext>
-            </a:extLst>
-          </p:cNvPr>
-          <p:cNvPicPr>
-            <a:picLocks noChangeAspect="1" noChangeArrowheads="1"/>
-          </p:cNvPicPr>
-          <p:nvPr/>
-        </p:nvPicPr>
-        <p:blipFill>
-          <a:blip r:embed="rId2">
-            <a:extLst>
-              <a:ext uri="{28A0092B-C50C-407E-A947-70E740481C1C}">
-                <a14:useLocalDpi xmlns:a14="http://schemas.microsoft.com/office/drawing/2010/main" val="0"/>
-              </a:ext>
-            </a:extLst>
-          </a:blip>
-          <a:stretch>
-            <a:fillRect/>
-          </a:stretch>
-        </p:blipFill>
-        <p:spPr bwMode="auto">
-          <a:xfrm>
-            <a:off x="4661188" y="1853753"/>
-            <a:ext cx="7518806" cy="4559403"/>
-          </a:xfrm>
-          <a:prstGeom prst="rect">
-            <a:avLst/>
-          </a:prstGeom>
-          <a:noFill/>
-          <a:extLst>
-            <a:ext uri="{909E8E84-426E-40DD-AFC4-6F175D3DCCD1}">
-              <a14:hiddenFill xmlns:a14="http://schemas.microsoft.com/office/drawing/2010/main">
-                <a:solidFill>
-                  <a:srgbClr val="FFFFFF"/>
-                </a:solidFill>
-              </a14:hiddenFill>
-            </a:ext>
-          </a:extLst>
-        </p:spPr>
-      </p:pic>
+              <a:t>Height and weight of people have some relationship – taller people are generally heavier, but there is wide variation. </a:t>
+            </a:r>
+          </a:p>
+          <a:p>
+            <a:r>
+              <a:rPr lang="en-US" dirty="0"/>
+              <a:t>Correlation is the relationship (or dependence) between two variables.</a:t>
+            </a:r>
+          </a:p>
+          <a:p>
+            <a:pPr lvl="1"/>
+            <a:r>
+              <a:rPr lang="en-US" dirty="0"/>
+              <a:t>As one variable changes, it tells us something about the other variable.</a:t>
+            </a:r>
+          </a:p>
+        </p:txBody>
+      </p:sp>
     </p:spTree>
     <p:extLst>
       <p:ext uri="{BB962C8B-B14F-4D97-AF65-F5344CB8AC3E}">
-        <p14:creationId xmlns:p14="http://schemas.microsoft.com/office/powerpoint/2010/main" val="2685740158"/>
+        <p14:creationId xmlns:p14="http://schemas.microsoft.com/office/powerpoint/2010/main" val="2723790849"/>
       </p:ext>
     </p:extLst>
   </p:cSld>
@@ -4832,7 +4775,7 @@
           <p:cNvPr id="2" name="Title 1">
             <a:extLst>
               <a:ext uri="{FF2B5EF4-FFF2-40B4-BE49-F238E27FC236}">
-                <a16:creationId xmlns:a16="http://schemas.microsoft.com/office/drawing/2014/main" id="{43AEFE4F-BFAA-B34C-AECC-8D7FDDBA30CE}"/>
+                <a16:creationId xmlns:a16="http://schemas.microsoft.com/office/drawing/2014/main" id="{70BEA02A-EDBE-E549-8FF8-DDCF9B261337}"/>
               </a:ext>
             </a:extLst>
           </p:cNvPr>
@@ -4857,7 +4800,7 @@
           <a:p>
             <a:r>
               <a:rPr lang="en-US" dirty="0"/>
-              <a:t>Variance</a:t>
+              <a:t>Scatterplot</a:t>
             </a:r>
           </a:p>
         </p:txBody>
@@ -4867,7 +4810,7 @@
           <p:cNvPr id="3" name="Content Placeholder 2">
             <a:extLst>
               <a:ext uri="{FF2B5EF4-FFF2-40B4-BE49-F238E27FC236}">
-                <a16:creationId xmlns:a16="http://schemas.microsoft.com/office/drawing/2014/main" id="{5469E00B-C07F-734B-943E-B4C7F2440F00}"/>
+                <a16:creationId xmlns:a16="http://schemas.microsoft.com/office/drawing/2014/main" id="{FFF6C65F-7842-5244-8838-4AE0ABE93962}"/>
               </a:ext>
             </a:extLst>
           </p:cNvPr>
@@ -4880,8 +4823,8 @@
         </p:nvSpPr>
         <p:spPr>
           <a:xfrm>
-            <a:off x="518984" y="2015734"/>
-            <a:ext cx="6554879" cy="3450613"/>
+            <a:off x="457201" y="2015734"/>
+            <a:ext cx="4203988" cy="4037747"/>
           </a:xfrm>
         </p:spPr>
         <p:txBody>
@@ -4892,35 +4835,54 @@
           <a:p>
             <a:r>
               <a:rPr lang="en-US" dirty="0"/>
-              <a:t>Recall – Variance is the average squared distance from the mean of a dataset.</a:t>
-            </a:r>
-          </a:p>
-          <a:p>
-            <a:r>
-              <a:rPr lang="en-US" dirty="0"/>
-              <a:t>Large variance = spread data. </a:t>
-            </a:r>
-          </a:p>
-          <a:p>
-            <a:r>
-              <a:rPr lang="en-US" dirty="0"/>
-              <a:t>Small variance = condensed data. </a:t>
-            </a:r>
-          </a:p>
-          <a:p>
-            <a:r>
-              <a:rPr lang="en-US" dirty="0"/>
-              <a:t>Note: The n-1 is so sample, population uses n. The rationale is that if there is only n=1 in the sample, there is not variance. You need at least 2 values to have 1 variance. </a:t>
+              <a:t>Scatterplots are a simple tool for examining correlation graphically. </a:t>
+            </a:r>
+          </a:p>
+          <a:p>
+            <a:r>
+              <a:rPr lang="en-US" dirty="0"/>
+              <a:t>Book highlights some extensions:</a:t>
+            </a:r>
+          </a:p>
+          <a:p>
+            <a:pPr lvl="1"/>
+            <a:r>
+              <a:rPr lang="en-US" dirty="0"/>
+              <a:t>Jitter – to make patterns more easily read.</a:t>
+            </a:r>
+          </a:p>
+          <a:p>
+            <a:pPr lvl="1"/>
+            <a:r>
+              <a:rPr lang="en-US" dirty="0" err="1"/>
+              <a:t>Hexbin</a:t>
+            </a:r>
+            <a:r>
+              <a:rPr lang="en-US" dirty="0"/>
+              <a:t> – sort of a 2d histogram. </a:t>
+            </a:r>
+          </a:p>
+          <a:p>
+            <a:pPr lvl="1"/>
+            <a:r>
+              <a:rPr lang="en-US" dirty="0"/>
+              <a:t>See this in code in a minute. </a:t>
+            </a:r>
+          </a:p>
+          <a:p>
+            <a:r>
+              <a:rPr lang="en-US" dirty="0"/>
+              <a:t>The more the data “forms a line” the higher the correlation is. </a:t>
             </a:r>
           </a:p>
         </p:txBody>
       </p:sp>
       <p:pic>
         <p:nvPicPr>
-          <p:cNvPr id="2050" name="Picture 2" descr="Sample Variance: Simple Definition, How to Find it in Easy Steps -  Statistics How To">
+          <p:cNvPr id="10242" name="Picture 2" descr="How to Make a Scatter Plot in R with ggplot2 - Sharp Sight">
             <a:extLst>
               <a:ext uri="{FF2B5EF4-FFF2-40B4-BE49-F238E27FC236}">
-                <a16:creationId xmlns:a16="http://schemas.microsoft.com/office/drawing/2014/main" id="{1F6EDE4D-AB1B-B14D-B7EE-B9D654618A64}"/>
+                <a16:creationId xmlns:a16="http://schemas.microsoft.com/office/drawing/2014/main" id="{C9587F2C-3A73-164E-B619-EE616A040BF1}"/>
               </a:ext>
             </a:extLst>
           </p:cNvPr>
@@ -4943,55 +4905,8 @@
         </p:blipFill>
         <p:spPr bwMode="auto">
           <a:xfrm>
-            <a:off x="7554139" y="1817854"/>
-            <a:ext cx="4539809" cy="1543535"/>
-          </a:xfrm>
-          <a:prstGeom prst="rect">
-            <a:avLst/>
-          </a:prstGeom>
-          <a:noFill/>
-          <a:extLst>
-            <a:ext uri="{909E8E84-426E-40DD-AFC4-6F175D3DCCD1}">
-              <a14:hiddenFill xmlns:a14="http://schemas.microsoft.com/office/drawing/2010/main">
-                <a:solidFill>
-                  <a:srgbClr val="FFFFFF"/>
-                </a:solidFill>
-              </a14:hiddenFill>
-            </a:ext>
-          </a:extLst>
-        </p:spPr>
-      </p:pic>
-      <p:pic>
-        <p:nvPicPr>
-          <p:cNvPr id="1026" name="Picture 2">
-            <a:extLst>
-              <a:ext uri="{FF2B5EF4-FFF2-40B4-BE49-F238E27FC236}">
-                <a16:creationId xmlns:a16="http://schemas.microsoft.com/office/drawing/2014/main" id="{E7F26235-31B8-C8D4-9F61-9E050A7283CD}"/>
-              </a:ext>
-            </a:extLst>
-          </p:cNvPr>
-          <p:cNvPicPr>
-            <a:picLocks noChangeAspect="1" noChangeArrowheads="1"/>
-          </p:cNvPicPr>
-          <p:nvPr/>
-        </p:nvPicPr>
-        <p:blipFill>
-          <a:blip r:embed="rId3">
-            <a:extLst>
-              <a:ext uri="{28A0092B-C50C-407E-A947-70E740481C1C}">
-                <a14:useLocalDpi xmlns:a14="http://schemas.microsoft.com/office/drawing/2010/main" val="0"/>
-              </a:ext>
-            </a:extLst>
-          </a:blip>
-          <a:srcRect/>
-          <a:stretch>
-            <a:fillRect/>
-          </a:stretch>
-        </p:blipFill>
-        <p:spPr bwMode="auto">
-          <a:xfrm>
-            <a:off x="8067460" y="3385370"/>
-            <a:ext cx="3605556" cy="2668111"/>
+            <a:off x="4661188" y="1853753"/>
+            <a:ext cx="7518806" cy="4559403"/>
           </a:xfrm>
           <a:prstGeom prst="rect">
             <a:avLst/>
@@ -5011,7 +4926,7 @@
     </p:spTree>
     <p:extLst>
       <p:ext uri="{BB962C8B-B14F-4D97-AF65-F5344CB8AC3E}">
-        <p14:creationId xmlns:p14="http://schemas.microsoft.com/office/powerpoint/2010/main" val="3520502105"/>
+        <p14:creationId xmlns:p14="http://schemas.microsoft.com/office/powerpoint/2010/main" val="2685740158"/>
       </p:ext>
     </p:extLst>
   </p:cSld>
@@ -5067,7 +4982,7 @@
           <p:cNvPr id="2" name="Title 1">
             <a:extLst>
               <a:ext uri="{FF2B5EF4-FFF2-40B4-BE49-F238E27FC236}">
-                <a16:creationId xmlns:a16="http://schemas.microsoft.com/office/drawing/2014/main" id="{9A9A00FC-EA00-EE4B-AB0E-81853B5C377D}"/>
+                <a16:creationId xmlns:a16="http://schemas.microsoft.com/office/drawing/2014/main" id="{43AEFE4F-BFAA-B34C-AECC-8D7FDDBA30CE}"/>
               </a:ext>
             </a:extLst>
           </p:cNvPr>
@@ -5092,7 +5007,7 @@
           <a:p>
             <a:r>
               <a:rPr lang="en-US" dirty="0"/>
-              <a:t>Covariance</a:t>
+              <a:t>Variance</a:t>
             </a:r>
           </a:p>
         </p:txBody>
@@ -5102,7 +5017,7 @@
           <p:cNvPr id="3" name="Content Placeholder 2">
             <a:extLst>
               <a:ext uri="{FF2B5EF4-FFF2-40B4-BE49-F238E27FC236}">
-                <a16:creationId xmlns:a16="http://schemas.microsoft.com/office/drawing/2014/main" id="{74DEFC01-B939-414B-A110-BF5FCDEA9F57}"/>
+                <a16:creationId xmlns:a16="http://schemas.microsoft.com/office/drawing/2014/main" id="{5469E00B-C07F-734B-943E-B4C7F2440F00}"/>
               </a:ext>
             </a:extLst>
           </p:cNvPr>
@@ -5115,67 +5030,47 @@
         </p:nvSpPr>
         <p:spPr>
           <a:xfrm>
-            <a:off x="276045" y="2015734"/>
-            <a:ext cx="5338089" cy="3450613"/>
+            <a:off x="518984" y="2015734"/>
+            <a:ext cx="6554879" cy="3450613"/>
           </a:xfrm>
         </p:spPr>
         <p:txBody>
           <a:bodyPr>
-            <a:normAutofit lnSpcReduction="10000"/>
+            <a:normAutofit/>
           </a:bodyPr>
           <a:lstStyle/>
           <a:p>
             <a:r>
               <a:rPr lang="en-US" dirty="0"/>
-              <a:t>Covariance is the average distance of the x-axis values times the y-axis value. </a:t>
-            </a:r>
-          </a:p>
-          <a:p>
-            <a:r>
-              <a:rPr lang="en-US" dirty="0"/>
-              <a:t>Can think of it as a 2 dimensional variance.</a:t>
-            </a:r>
-          </a:p>
-          <a:p>
-            <a:pPr lvl="1"/>
-            <a:r>
-              <a:rPr lang="en-US" dirty="0"/>
-              <a:t>Distance from mean on X axis. </a:t>
-            </a:r>
-          </a:p>
-          <a:p>
-            <a:pPr lvl="1"/>
-            <a:r>
-              <a:rPr lang="en-US" dirty="0"/>
-              <a:t>Distance from mean on Y axis. </a:t>
-            </a:r>
-          </a:p>
-          <a:p>
-            <a:r>
-              <a:rPr lang="en-US" dirty="0"/>
-              <a:t>If positive – as X goes up, Y goes up.</a:t>
-            </a:r>
-          </a:p>
-          <a:p>
-            <a:r>
-              <a:rPr lang="en-US" dirty="0"/>
-              <a:t>If negative – as X goes up, y goes down. </a:t>
-            </a:r>
-          </a:p>
-          <a:p>
-            <a:r>
-              <a:rPr lang="en-US" dirty="0"/>
-              <a:t>Larger number, stronger relationship. </a:t>
+              <a:t>Recall – Variance is the average squared distance from the mean of a dataset.</a:t>
+            </a:r>
+          </a:p>
+          <a:p>
+            <a:r>
+              <a:rPr lang="en-US" dirty="0"/>
+              <a:t>Large variance = spread data. </a:t>
+            </a:r>
+          </a:p>
+          <a:p>
+            <a:r>
+              <a:rPr lang="en-US" dirty="0"/>
+              <a:t>Small variance = condensed data. </a:t>
+            </a:r>
+          </a:p>
+          <a:p>
+            <a:r>
+              <a:rPr lang="en-US" dirty="0"/>
+              <a:t>Note: The n-1 is so sample, population uses n. The rationale is that if there is only n=1 in the sample, there is not variance. You need at least 2 values to have 1 variance. </a:t>
             </a:r>
           </a:p>
         </p:txBody>
       </p:sp>
       <p:pic>
         <p:nvPicPr>
-          <p:cNvPr id="1032" name="Picture 8" descr="Covariance Formula For Population and Sample With Solved Example Questions">
+          <p:cNvPr id="2050" name="Picture 2" descr="Sample Variance: Simple Definition, How to Find it in Easy Steps -  Statistics How To">
             <a:extLst>
               <a:ext uri="{FF2B5EF4-FFF2-40B4-BE49-F238E27FC236}">
-                <a16:creationId xmlns:a16="http://schemas.microsoft.com/office/drawing/2014/main" id="{4697FE88-8969-334D-9CB5-0A146F75073F}"/>
+                <a16:creationId xmlns:a16="http://schemas.microsoft.com/office/drawing/2014/main" id="{1F6EDE4D-AB1B-B14D-B7EE-B9D654618A64}"/>
               </a:ext>
             </a:extLst>
           </p:cNvPr>
@@ -5184,7 +5079,7 @@
           </p:cNvPicPr>
           <p:nvPr/>
         </p:nvPicPr>
-        <p:blipFill rotWithShape="1">
+        <p:blipFill>
           <a:blip r:embed="rId2">
             <a:extLst>
               <a:ext uri="{28A0092B-C50C-407E-A947-70E740481C1C}">
@@ -5192,13 +5087,14 @@
               </a:ext>
             </a:extLst>
           </a:blip>
-          <a:srcRect t="45374"/>
-          <a:stretch/>
+          <a:stretch>
+            <a:fillRect/>
+          </a:stretch>
         </p:blipFill>
         <p:spPr bwMode="auto">
           <a:xfrm>
-            <a:off x="6096000" y="2602376"/>
-            <a:ext cx="6073069" cy="2401871"/>
+            <a:off x="7554139" y="1817854"/>
+            <a:ext cx="4539809" cy="1543535"/>
           </a:xfrm>
           <a:prstGeom prst="rect">
             <a:avLst/>
@@ -5215,24 +5111,37 @@
           </a:extLst>
         </p:spPr>
       </p:pic>
-      <p:sp>
-        <p:nvSpPr>
-          <p:cNvPr id="4" name="AutoShape 2" descr="{\displaystyle q_{jk}={\frac {1}{N-1}}\sum _{i=1}^{N}\left(X_{ij}-{\bar {X}}_{j}\right)\left(X_{ik}-{\bar {X}}_{k}\right),}">
+      <p:pic>
+        <p:nvPicPr>
+          <p:cNvPr id="1026" name="Picture 2">
             <a:extLst>
               <a:ext uri="{FF2B5EF4-FFF2-40B4-BE49-F238E27FC236}">
-                <a16:creationId xmlns:a16="http://schemas.microsoft.com/office/drawing/2014/main" id="{6F572B6F-BFFE-294F-AB67-43222AB9359B}"/>
+                <a16:creationId xmlns:a16="http://schemas.microsoft.com/office/drawing/2014/main" id="{E7F26235-31B8-C8D4-9F61-9E050A7283CD}"/>
               </a:ext>
             </a:extLst>
           </p:cNvPr>
-          <p:cNvSpPr>
-            <a:spLocks noChangeAspect="1" noChangeArrowheads="1"/>
-          </p:cNvSpPr>
+          <p:cNvPicPr>
+            <a:picLocks noChangeAspect="1" noChangeArrowheads="1"/>
+          </p:cNvPicPr>
           <p:nvPr/>
-        </p:nvSpPr>
+        </p:nvPicPr>
+        <p:blipFill>
+          <a:blip r:embed="rId3">
+            <a:extLst>
+              <a:ext uri="{28A0092B-C50C-407E-A947-70E740481C1C}">
+                <a14:useLocalDpi xmlns:a14="http://schemas.microsoft.com/office/drawing/2010/main" val="0"/>
+              </a:ext>
+            </a:extLst>
+          </a:blip>
+          <a:srcRect/>
+          <a:stretch>
+            <a:fillRect/>
+          </a:stretch>
+        </p:blipFill>
         <p:spPr bwMode="auto">
           <a:xfrm>
-            <a:off x="5943600" y="3276600"/>
-            <a:ext cx="304800" cy="304800"/>
+            <a:off x="8067460" y="3385370"/>
+            <a:ext cx="3605556" cy="2668111"/>
           </a:xfrm>
           <a:prstGeom prst="rect">
             <a:avLst/>
@@ -5248,22 +5157,11 @@
             </a:ext>
           </a:extLst>
         </p:spPr>
-        <p:txBody>
-          <a:bodyPr vert="horz" wrap="square" lIns="91440" tIns="45720" rIns="91440" bIns="45720" numCol="1" anchor="t" anchorCtr="0" compatLnSpc="1">
-            <a:prstTxWarp prst="textNoShape">
-              <a:avLst/>
-            </a:prstTxWarp>
-          </a:bodyPr>
-          <a:lstStyle/>
-          <a:p>
-            <a:endParaRPr lang="en-US"/>
-          </a:p>
-        </p:txBody>
-      </p:sp>
+      </p:pic>
     </p:spTree>
     <p:extLst>
       <p:ext uri="{BB962C8B-B14F-4D97-AF65-F5344CB8AC3E}">
-        <p14:creationId xmlns:p14="http://schemas.microsoft.com/office/powerpoint/2010/main" val="4078945355"/>
+        <p14:creationId xmlns:p14="http://schemas.microsoft.com/office/powerpoint/2010/main" val="3520502105"/>
       </p:ext>
     </p:extLst>
   </p:cSld>
@@ -5319,7 +5217,7 @@
           <p:cNvPr id="2" name="Title 1">
             <a:extLst>
               <a:ext uri="{FF2B5EF4-FFF2-40B4-BE49-F238E27FC236}">
-                <a16:creationId xmlns:a16="http://schemas.microsoft.com/office/drawing/2014/main" id="{C52ED638-8771-AB42-B5D7-C841FE71671E}"/>
+                <a16:creationId xmlns:a16="http://schemas.microsoft.com/office/drawing/2014/main" id="{9A9A00FC-EA00-EE4B-AB0E-81853B5C377D}"/>
               </a:ext>
             </a:extLst>
           </p:cNvPr>
@@ -5344,7 +5242,7 @@
           <a:p>
             <a:r>
               <a:rPr lang="en-US" dirty="0"/>
-              <a:t>Variance and Covariance</a:t>
+              <a:t>Covariance</a:t>
             </a:r>
           </a:p>
         </p:txBody>
@@ -5354,7 +5252,7 @@
           <p:cNvPr id="3" name="Content Placeholder 2">
             <a:extLst>
               <a:ext uri="{FF2B5EF4-FFF2-40B4-BE49-F238E27FC236}">
-                <a16:creationId xmlns:a16="http://schemas.microsoft.com/office/drawing/2014/main" id="{B52865B4-54BB-D94E-8141-97B1725B184F}"/>
+                <a16:creationId xmlns:a16="http://schemas.microsoft.com/office/drawing/2014/main" id="{74DEFC01-B939-414B-A110-BF5FCDEA9F57}"/>
               </a:ext>
             </a:extLst>
           </p:cNvPr>
@@ -5367,80 +5265,67 @@
         </p:nvSpPr>
         <p:spPr>
           <a:xfrm>
-            <a:off x="568411" y="2015734"/>
-            <a:ext cx="5045723" cy="4146527"/>
+            <a:off x="276045" y="2015734"/>
+            <a:ext cx="5338089" cy="3450613"/>
           </a:xfrm>
         </p:spPr>
         <p:txBody>
           <a:bodyPr>
-            <a:normAutofit/>
+            <a:normAutofit lnSpcReduction="10000"/>
           </a:bodyPr>
           <a:lstStyle/>
           <a:p>
             <a:r>
               <a:rPr lang="en-US" dirty="0"/>
-              <a:t>Variance of X: </a:t>
+              <a:t>Covariance is the average distance of the x-axis values times the y-axis value. </a:t>
+            </a:r>
+          </a:p>
+          <a:p>
+            <a:r>
+              <a:rPr lang="en-US" dirty="0"/>
+              <a:t>Can think of it as a 2 dimensional variance.</a:t>
             </a:r>
           </a:p>
           <a:p>
             <a:pPr lvl="1"/>
             <a:r>
               <a:rPr lang="en-US" dirty="0"/>
-              <a:t>Mean is 4.89</a:t>
+              <a:t>Distance from mean on X axis. </a:t>
             </a:r>
           </a:p>
           <a:p>
             <a:pPr lvl="1"/>
             <a:r>
               <a:rPr lang="en-US" dirty="0"/>
-              <a:t>Sum the distance of each dot on the x-axis from 4.89. Divide by n-1</a:t>
-            </a:r>
-          </a:p>
-          <a:p>
-            <a:pPr lvl="1"/>
-            <a:r>
-              <a:rPr lang="en-US" dirty="0"/>
-              <a:t>E.g. 1-4.89, 3-4.89, 2-4.89….</a:t>
-            </a:r>
-          </a:p>
-          <a:p>
-            <a:r>
-              <a:rPr lang="en-US" dirty="0"/>
-              <a:t>Variance of Y:</a:t>
-            </a:r>
-          </a:p>
-          <a:p>
-            <a:pPr lvl="1"/>
-            <a:r>
-              <a:rPr lang="en-US" dirty="0"/>
-              <a:t>Mean is 5.44</a:t>
-            </a:r>
-          </a:p>
-          <a:p>
-            <a:pPr lvl="1"/>
-            <a:r>
-              <a:rPr lang="en-US" dirty="0"/>
-              <a:t>Sum the distance of each dot on the y-axis from 5.44. Divide by n-1</a:t>
-            </a:r>
-          </a:p>
-          <a:p>
-            <a:pPr lvl="1"/>
-            <a:r>
-              <a:rPr lang="en-US" dirty="0"/>
-              <a:t>E.g. 8-5.44, 6-5.44, 9-5.44…</a:t>
-            </a:r>
-          </a:p>
-          <a:p>
-            <a:endParaRPr lang="en-US" dirty="0"/>
+              <a:t>Distance from mean on Y axis. </a:t>
+            </a:r>
+          </a:p>
+          <a:p>
+            <a:r>
+              <a:rPr lang="en-US" dirty="0"/>
+              <a:t>If positive – as X goes up, Y goes up.</a:t>
+            </a:r>
+          </a:p>
+          <a:p>
+            <a:r>
+              <a:rPr lang="en-US" dirty="0"/>
+              <a:t>If negative – as X goes up, y goes down. </a:t>
+            </a:r>
+          </a:p>
+          <a:p>
+            <a:r>
+              <a:rPr lang="en-US" dirty="0"/>
+              <a:t>Larger number, stronger relationship. </a:t>
+            </a:r>
           </a:p>
         </p:txBody>
       </p:sp>
       <p:pic>
         <p:nvPicPr>
-          <p:cNvPr id="4098" name="Picture 2" descr="4 Ways to Calculate Covariance - wikiHow">
+          <p:cNvPr id="1032" name="Picture 8" descr="Covariance Formula For Population and Sample With Solved Example Questions">
             <a:extLst>
               <a:ext uri="{FF2B5EF4-FFF2-40B4-BE49-F238E27FC236}">
-                <a16:creationId xmlns:a16="http://schemas.microsoft.com/office/drawing/2014/main" id="{9E4DF7BA-34C6-E24E-B5FA-88DC1AE98F14}"/>
+                <a16:creationId xmlns:a16="http://schemas.microsoft.com/office/drawing/2014/main" id="{4697FE88-8969-334D-9CB5-0A146F75073F}"/>
               </a:ext>
             </a:extLst>
           </p:cNvPr>
@@ -5449,7 +5334,7 @@
           </p:cNvPicPr>
           <p:nvPr/>
         </p:nvPicPr>
-        <p:blipFill>
+        <p:blipFill rotWithShape="1">
           <a:blip r:embed="rId2">
             <a:extLst>
               <a:ext uri="{28A0092B-C50C-407E-A947-70E740481C1C}">
@@ -5457,14 +5342,13 @@
               </a:ext>
             </a:extLst>
           </a:blip>
-          <a:stretch>
-            <a:fillRect/>
-          </a:stretch>
+          <a:srcRect t="45374"/>
+          <a:stretch/>
         </p:blipFill>
         <p:spPr bwMode="auto">
           <a:xfrm>
-            <a:off x="6058252" y="1853754"/>
-            <a:ext cx="6112151" cy="4584116"/>
+            <a:off x="6096000" y="2602376"/>
+            <a:ext cx="6073069" cy="2401871"/>
           </a:xfrm>
           <a:prstGeom prst="rect">
             <a:avLst/>
@@ -5481,10 +5365,55 @@
           </a:extLst>
         </p:spPr>
       </p:pic>
+      <p:sp>
+        <p:nvSpPr>
+          <p:cNvPr id="4" name="AutoShape 2" descr="{\displaystyle q_{jk}={\frac {1}{N-1}}\sum _{i=1}^{N}\left(X_{ij}-{\bar {X}}_{j}\right)\left(X_{ik}-{\bar {X}}_{k}\right),}">
+            <a:extLst>
+              <a:ext uri="{FF2B5EF4-FFF2-40B4-BE49-F238E27FC236}">
+                <a16:creationId xmlns:a16="http://schemas.microsoft.com/office/drawing/2014/main" id="{6F572B6F-BFFE-294F-AB67-43222AB9359B}"/>
+              </a:ext>
+            </a:extLst>
+          </p:cNvPr>
+          <p:cNvSpPr>
+            <a:spLocks noChangeAspect="1" noChangeArrowheads="1"/>
+          </p:cNvSpPr>
+          <p:nvPr/>
+        </p:nvSpPr>
+        <p:spPr bwMode="auto">
+          <a:xfrm>
+            <a:off x="5943600" y="3276600"/>
+            <a:ext cx="304800" cy="304800"/>
+          </a:xfrm>
+          <a:prstGeom prst="rect">
+            <a:avLst/>
+          </a:prstGeom>
+          <a:noFill/>
+          <a:extLst>
+            <a:ext uri="{909E8E84-426E-40DD-AFC4-6F175D3DCCD1}">
+              <a14:hiddenFill xmlns:a14="http://schemas.microsoft.com/office/drawing/2010/main">
+                <a:solidFill>
+                  <a:srgbClr val="FFFFFF"/>
+                </a:solidFill>
+              </a14:hiddenFill>
+            </a:ext>
+          </a:extLst>
+        </p:spPr>
+        <p:txBody>
+          <a:bodyPr vert="horz" wrap="square" lIns="91440" tIns="45720" rIns="91440" bIns="45720" numCol="1" anchor="t" anchorCtr="0" compatLnSpc="1">
+            <a:prstTxWarp prst="textNoShape">
+              <a:avLst/>
+            </a:prstTxWarp>
+          </a:bodyPr>
+          <a:lstStyle/>
+          <a:p>
+            <a:endParaRPr lang="en-US"/>
+          </a:p>
+        </p:txBody>
+      </p:sp>
     </p:spTree>
     <p:extLst>
       <p:ext uri="{BB962C8B-B14F-4D97-AF65-F5344CB8AC3E}">
-        <p14:creationId xmlns:p14="http://schemas.microsoft.com/office/powerpoint/2010/main" val="2783196007"/>
+        <p14:creationId xmlns:p14="http://schemas.microsoft.com/office/powerpoint/2010/main" val="4078945355"/>
       </p:ext>
     </p:extLst>
   </p:cSld>
@@ -5540,6 +5469,227 @@
           <p:cNvPr id="2" name="Title 1">
             <a:extLst>
               <a:ext uri="{FF2B5EF4-FFF2-40B4-BE49-F238E27FC236}">
+                <a16:creationId xmlns:a16="http://schemas.microsoft.com/office/drawing/2014/main" id="{C52ED638-8771-AB42-B5D7-C841FE71671E}"/>
+              </a:ext>
+            </a:extLst>
+          </p:cNvPr>
+          <p:cNvSpPr>
+            <a:spLocks noGrp="1"/>
+          </p:cNvSpPr>
+          <p:nvPr>
+            <p:ph type="title"/>
+          </p:nvPr>
+        </p:nvSpPr>
+        <p:spPr>
+          <a:xfrm>
+            <a:off x="1451579" y="804519"/>
+            <a:ext cx="9603275" cy="1049235"/>
+          </a:xfrm>
+        </p:spPr>
+        <p:txBody>
+          <a:bodyPr>
+            <a:normAutofit/>
+          </a:bodyPr>
+          <a:lstStyle/>
+          <a:p>
+            <a:r>
+              <a:rPr lang="en-US" dirty="0"/>
+              <a:t>Variance and Covariance</a:t>
+            </a:r>
+          </a:p>
+        </p:txBody>
+      </p:sp>
+      <p:sp>
+        <p:nvSpPr>
+          <p:cNvPr id="3" name="Content Placeholder 2">
+            <a:extLst>
+              <a:ext uri="{FF2B5EF4-FFF2-40B4-BE49-F238E27FC236}">
+                <a16:creationId xmlns:a16="http://schemas.microsoft.com/office/drawing/2014/main" id="{B52865B4-54BB-D94E-8141-97B1725B184F}"/>
+              </a:ext>
+            </a:extLst>
+          </p:cNvPr>
+          <p:cNvSpPr>
+            <a:spLocks noGrp="1"/>
+          </p:cNvSpPr>
+          <p:nvPr>
+            <p:ph idx="1"/>
+          </p:nvPr>
+        </p:nvSpPr>
+        <p:spPr>
+          <a:xfrm>
+            <a:off x="568411" y="2015734"/>
+            <a:ext cx="5045723" cy="4146527"/>
+          </a:xfrm>
+        </p:spPr>
+        <p:txBody>
+          <a:bodyPr>
+            <a:normAutofit/>
+          </a:bodyPr>
+          <a:lstStyle/>
+          <a:p>
+            <a:r>
+              <a:rPr lang="en-US" dirty="0"/>
+              <a:t>Variance of X: </a:t>
+            </a:r>
+          </a:p>
+          <a:p>
+            <a:pPr lvl="1"/>
+            <a:r>
+              <a:rPr lang="en-US" dirty="0"/>
+              <a:t>Mean is 4.89</a:t>
+            </a:r>
+          </a:p>
+          <a:p>
+            <a:pPr lvl="1"/>
+            <a:r>
+              <a:rPr lang="en-US" dirty="0"/>
+              <a:t>Sum the distance of each dot on the x-axis from 4.89. Divide by n-1</a:t>
+            </a:r>
+          </a:p>
+          <a:p>
+            <a:pPr lvl="1"/>
+            <a:r>
+              <a:rPr lang="en-US" dirty="0"/>
+              <a:t>E.g. 1-4.89, 3-4.89, 2-4.89….</a:t>
+            </a:r>
+          </a:p>
+          <a:p>
+            <a:r>
+              <a:rPr lang="en-US" dirty="0"/>
+              <a:t>Variance of Y:</a:t>
+            </a:r>
+          </a:p>
+          <a:p>
+            <a:pPr lvl="1"/>
+            <a:r>
+              <a:rPr lang="en-US" dirty="0"/>
+              <a:t>Mean is 5.44</a:t>
+            </a:r>
+          </a:p>
+          <a:p>
+            <a:pPr lvl="1"/>
+            <a:r>
+              <a:rPr lang="en-US" dirty="0"/>
+              <a:t>Sum the distance of each dot on the y-axis from 5.44. Divide by n-1</a:t>
+            </a:r>
+          </a:p>
+          <a:p>
+            <a:pPr lvl="1"/>
+            <a:r>
+              <a:rPr lang="en-US" dirty="0"/>
+              <a:t>E.g. 8-5.44, 6-5.44, 9-5.44…</a:t>
+            </a:r>
+          </a:p>
+          <a:p>
+            <a:endParaRPr lang="en-US" dirty="0"/>
+          </a:p>
+        </p:txBody>
+      </p:sp>
+      <p:pic>
+        <p:nvPicPr>
+          <p:cNvPr id="4098" name="Picture 2" descr="4 Ways to Calculate Covariance - wikiHow">
+            <a:extLst>
+              <a:ext uri="{FF2B5EF4-FFF2-40B4-BE49-F238E27FC236}">
+                <a16:creationId xmlns:a16="http://schemas.microsoft.com/office/drawing/2014/main" id="{9E4DF7BA-34C6-E24E-B5FA-88DC1AE98F14}"/>
+              </a:ext>
+            </a:extLst>
+          </p:cNvPr>
+          <p:cNvPicPr>
+            <a:picLocks noChangeAspect="1" noChangeArrowheads="1"/>
+          </p:cNvPicPr>
+          <p:nvPr/>
+        </p:nvPicPr>
+        <p:blipFill>
+          <a:blip r:embed="rId2">
+            <a:extLst>
+              <a:ext uri="{28A0092B-C50C-407E-A947-70E740481C1C}">
+                <a14:useLocalDpi xmlns:a14="http://schemas.microsoft.com/office/drawing/2010/main" val="0"/>
+              </a:ext>
+            </a:extLst>
+          </a:blip>
+          <a:stretch>
+            <a:fillRect/>
+          </a:stretch>
+        </p:blipFill>
+        <p:spPr bwMode="auto">
+          <a:xfrm>
+            <a:off x="6058252" y="1853754"/>
+            <a:ext cx="6112151" cy="4584116"/>
+          </a:xfrm>
+          <a:prstGeom prst="rect">
+            <a:avLst/>
+          </a:prstGeom>
+          <a:noFill/>
+          <a:extLst>
+            <a:ext uri="{909E8E84-426E-40DD-AFC4-6F175D3DCCD1}">
+              <a14:hiddenFill xmlns:a14="http://schemas.microsoft.com/office/drawing/2010/main">
+                <a:solidFill>
+                  <a:srgbClr val="FFFFFF"/>
+                </a:solidFill>
+              </a14:hiddenFill>
+            </a:ext>
+          </a:extLst>
+        </p:spPr>
+      </p:pic>
+    </p:spTree>
+    <p:extLst>
+      <p:ext uri="{BB962C8B-B14F-4D97-AF65-F5344CB8AC3E}">
+        <p14:creationId xmlns:p14="http://schemas.microsoft.com/office/powerpoint/2010/main" val="2783196007"/>
+      </p:ext>
+    </p:extLst>
+  </p:cSld>
+  <p:clrMapOvr>
+    <a:masterClrMapping/>
+  </p:clrMapOvr>
+</p:sld>
+</file>
+
+<file path=ppt/slides/slide15.xml><?xml version="1.0" encoding="utf-8"?>
+<p:sld xmlns:a="http://schemas.openxmlformats.org/drawingml/2006/main" xmlns:r="http://schemas.openxmlformats.org/officeDocument/2006/relationships" xmlns:p="http://schemas.openxmlformats.org/presentationml/2006/main">
+  <p:cSld>
+    <p:bg>
+      <p:bgPr>
+        <a:gradFill rotWithShape="1">
+          <a:gsLst>
+            <a:gs pos="0">
+              <a:schemeClr val="bg2">
+                <a:tint val="94000"/>
+                <a:satMod val="80000"/>
+                <a:lumMod val="106000"/>
+              </a:schemeClr>
+            </a:gs>
+            <a:gs pos="100000">
+              <a:schemeClr val="bg2">
+                <a:shade val="80000"/>
+              </a:schemeClr>
+            </a:gs>
+          </a:gsLst>
+          <a:path path="circle">
+            <a:fillToRect l="43000" r="43000" b="100000"/>
+          </a:path>
+        </a:gradFill>
+        <a:effectLst/>
+      </p:bgPr>
+    </p:bg>
+    <p:spTree>
+      <p:nvGrpSpPr>
+        <p:cNvPr id="1" name=""/>
+        <p:cNvGrpSpPr/>
+        <p:nvPr/>
+      </p:nvGrpSpPr>
+      <p:grpSpPr>
+        <a:xfrm>
+          <a:off x="0" y="0"/>
+          <a:ext cx="0" cy="0"/>
+          <a:chOff x="0" y="0"/>
+          <a:chExt cx="0" cy="0"/>
+        </a:xfrm>
+      </p:grpSpPr>
+      <p:sp>
+        <p:nvSpPr>
+          <p:cNvPr id="2" name="Title 1">
+            <a:extLst>
+              <a:ext uri="{FF2B5EF4-FFF2-40B4-BE49-F238E27FC236}">
                 <a16:creationId xmlns:a16="http://schemas.microsoft.com/office/drawing/2014/main" id="{E243D996-4E8D-0543-B2B1-1ABFA254539F}"/>
               </a:ext>
             </a:extLst>
@@ -5692,159 +5842,6 @@
 </p:sld>
 </file>
 
-<file path=ppt/slides/slide15.xml><?xml version="1.0" encoding="utf-8"?>
-<p:sld xmlns:a="http://schemas.openxmlformats.org/drawingml/2006/main" xmlns:r="http://schemas.openxmlformats.org/officeDocument/2006/relationships" xmlns:p="http://schemas.openxmlformats.org/presentationml/2006/main">
-  <p:cSld>
-    <p:spTree>
-      <p:nvGrpSpPr>
-        <p:cNvPr id="1" name=""/>
-        <p:cNvGrpSpPr/>
-        <p:nvPr/>
-      </p:nvGrpSpPr>
-      <p:grpSpPr>
-        <a:xfrm>
-          <a:off x="0" y="0"/>
-          <a:ext cx="0" cy="0"/>
-          <a:chOff x="0" y="0"/>
-          <a:chExt cx="0" cy="0"/>
-        </a:xfrm>
-      </p:grpSpPr>
-      <p:sp>
-        <p:nvSpPr>
-          <p:cNvPr id="2" name="Title 1">
-            <a:extLst>
-              <a:ext uri="{FF2B5EF4-FFF2-40B4-BE49-F238E27FC236}">
-                <a16:creationId xmlns:a16="http://schemas.microsoft.com/office/drawing/2014/main" id="{968FF8B5-C7E1-3C4B-8CB1-E73BAACB547D}"/>
-              </a:ext>
-            </a:extLst>
-          </p:cNvPr>
-          <p:cNvSpPr>
-            <a:spLocks noGrp="1"/>
-          </p:cNvSpPr>
-          <p:nvPr>
-            <p:ph type="title"/>
-          </p:nvPr>
-        </p:nvSpPr>
-        <p:spPr/>
-        <p:txBody>
-          <a:bodyPr/>
-          <a:lstStyle/>
-          <a:p>
-            <a:r>
-              <a:rPr lang="en-US" dirty="0"/>
-              <a:t>Covariance to Correlation</a:t>
-            </a:r>
-          </a:p>
-        </p:txBody>
-      </p:sp>
-      <p:sp>
-        <p:nvSpPr>
-          <p:cNvPr id="3" name="Content Placeholder 2">
-            <a:extLst>
-              <a:ext uri="{FF2B5EF4-FFF2-40B4-BE49-F238E27FC236}">
-                <a16:creationId xmlns:a16="http://schemas.microsoft.com/office/drawing/2014/main" id="{D1441BB0-F1FD-8A4B-94B0-C35168E35570}"/>
-              </a:ext>
-            </a:extLst>
-          </p:cNvPr>
-          <p:cNvSpPr>
-            <a:spLocks noGrp="1"/>
-          </p:cNvSpPr>
-          <p:nvPr>
-            <p:ph idx="1"/>
-          </p:nvPr>
-        </p:nvSpPr>
-        <p:spPr>
-          <a:xfrm>
-            <a:off x="1451579" y="1853754"/>
-            <a:ext cx="9603275" cy="4199727"/>
-          </a:xfrm>
-        </p:spPr>
-        <p:txBody>
-          <a:bodyPr>
-            <a:normAutofit lnSpcReduction="10000"/>
-          </a:bodyPr>
-          <a:lstStyle/>
-          <a:p>
-            <a:r>
-              <a:rPr lang="en-US" dirty="0"/>
-              <a:t>Covariance not directly used all that much:</a:t>
-            </a:r>
-          </a:p>
-          <a:p>
-            <a:pPr lvl="1"/>
-            <a:r>
-              <a:rPr lang="en-US" dirty="0"/>
-              <a:t>The units are wonky – e.g. height vs weight is “pound-inches”.</a:t>
-            </a:r>
-          </a:p>
-          <a:p>
-            <a:pPr lvl="1"/>
-            <a:r>
-              <a:rPr lang="en-US" dirty="0"/>
-              <a:t>Actual value dependent on original raw values. </a:t>
-            </a:r>
-          </a:p>
-          <a:p>
-            <a:pPr lvl="1"/>
-            <a:r>
-              <a:rPr lang="en-US" dirty="0"/>
-              <a:t>Similar issues with variance compared to standard deviation. </a:t>
-            </a:r>
-          </a:p>
-          <a:p>
-            <a:r>
-              <a:rPr lang="en-US" dirty="0"/>
-              <a:t>Correlation is more widely used:</a:t>
-            </a:r>
-          </a:p>
-          <a:p>
-            <a:pPr lvl="1"/>
-            <a:r>
-              <a:rPr lang="en-US" dirty="0"/>
-              <a:t>Measure strength or the relationship -1 to +1. </a:t>
-            </a:r>
-          </a:p>
-          <a:p>
-            <a:pPr lvl="1"/>
-            <a:r>
-              <a:rPr lang="en-US" dirty="0"/>
-              <a:t>-1 or +1 indicate perfect correlation – for an increase in X, you can determine the change in Y.</a:t>
-            </a:r>
-          </a:p>
-          <a:p>
-            <a:pPr lvl="1"/>
-            <a:r>
-              <a:rPr lang="en-US" dirty="0"/>
-              <a:t>Most values fall somewhere in between, 0 is no correlation, + is positive, - is negative. </a:t>
-            </a:r>
-          </a:p>
-          <a:p>
-            <a:r>
-              <a:rPr lang="en-US" dirty="0"/>
-              <a:t>Correlation is a measure of how closely tied changes in X are mirrored in Y.</a:t>
-            </a:r>
-          </a:p>
-          <a:p>
-            <a:r>
-              <a:rPr lang="en-US" dirty="0"/>
-              <a:t>Note: Perfect correlation doesn’t imply 1 to 1, the ratio can vary. </a:t>
-            </a:r>
-          </a:p>
-        </p:txBody>
-      </p:sp>
-    </p:spTree>
-    <p:extLst>
-      <p:ext uri="{BB962C8B-B14F-4D97-AF65-F5344CB8AC3E}">
-        <p14:creationId xmlns:p14="http://schemas.microsoft.com/office/powerpoint/2010/main" val="826500105"/>
-      </p:ext>
-    </p:extLst>
-  </p:cSld>
-  <p:clrMapOvr>
-    <a:masterClrMapping/>
-  </p:clrMapOvr>
-</p:sld>
-</file>
-
 <file path=ppt/slides/slide16.xml><?xml version="1.0" encoding="utf-8"?>
 <p:sld xmlns:a="http://schemas.openxmlformats.org/drawingml/2006/main" xmlns:r="http://schemas.openxmlformats.org/officeDocument/2006/relationships" xmlns:p="http://schemas.openxmlformats.org/presentationml/2006/main">
   <p:cSld>
@@ -5867,6 +5864,159 @@
           <p:cNvPr id="2" name="Title 1">
             <a:extLst>
               <a:ext uri="{FF2B5EF4-FFF2-40B4-BE49-F238E27FC236}">
+                <a16:creationId xmlns:a16="http://schemas.microsoft.com/office/drawing/2014/main" id="{968FF8B5-C7E1-3C4B-8CB1-E73BAACB547D}"/>
+              </a:ext>
+            </a:extLst>
+          </p:cNvPr>
+          <p:cNvSpPr>
+            <a:spLocks noGrp="1"/>
+          </p:cNvSpPr>
+          <p:nvPr>
+            <p:ph type="title"/>
+          </p:nvPr>
+        </p:nvSpPr>
+        <p:spPr/>
+        <p:txBody>
+          <a:bodyPr/>
+          <a:lstStyle/>
+          <a:p>
+            <a:r>
+              <a:rPr lang="en-US" dirty="0"/>
+              <a:t>Covariance to Correlation</a:t>
+            </a:r>
+          </a:p>
+        </p:txBody>
+      </p:sp>
+      <p:sp>
+        <p:nvSpPr>
+          <p:cNvPr id="3" name="Content Placeholder 2">
+            <a:extLst>
+              <a:ext uri="{FF2B5EF4-FFF2-40B4-BE49-F238E27FC236}">
+                <a16:creationId xmlns:a16="http://schemas.microsoft.com/office/drawing/2014/main" id="{D1441BB0-F1FD-8A4B-94B0-C35168E35570}"/>
+              </a:ext>
+            </a:extLst>
+          </p:cNvPr>
+          <p:cNvSpPr>
+            <a:spLocks noGrp="1"/>
+          </p:cNvSpPr>
+          <p:nvPr>
+            <p:ph idx="1"/>
+          </p:nvPr>
+        </p:nvSpPr>
+        <p:spPr>
+          <a:xfrm>
+            <a:off x="1451579" y="1853754"/>
+            <a:ext cx="9603275" cy="4199727"/>
+          </a:xfrm>
+        </p:spPr>
+        <p:txBody>
+          <a:bodyPr>
+            <a:normAutofit lnSpcReduction="10000"/>
+          </a:bodyPr>
+          <a:lstStyle/>
+          <a:p>
+            <a:r>
+              <a:rPr lang="en-US" dirty="0"/>
+              <a:t>Covariance not directly used all that much:</a:t>
+            </a:r>
+          </a:p>
+          <a:p>
+            <a:pPr lvl="1"/>
+            <a:r>
+              <a:rPr lang="en-US" dirty="0"/>
+              <a:t>The units are wonky – e.g. height vs weight is “pound-inches”.</a:t>
+            </a:r>
+          </a:p>
+          <a:p>
+            <a:pPr lvl="1"/>
+            <a:r>
+              <a:rPr lang="en-US" dirty="0"/>
+              <a:t>Actual value dependent on original raw values. </a:t>
+            </a:r>
+          </a:p>
+          <a:p>
+            <a:pPr lvl="1"/>
+            <a:r>
+              <a:rPr lang="en-US" dirty="0"/>
+              <a:t>Similar issues with variance compared to standard deviation. </a:t>
+            </a:r>
+          </a:p>
+          <a:p>
+            <a:r>
+              <a:rPr lang="en-US" dirty="0"/>
+              <a:t>Correlation is more widely used:</a:t>
+            </a:r>
+          </a:p>
+          <a:p>
+            <a:pPr lvl="1"/>
+            <a:r>
+              <a:rPr lang="en-US" dirty="0"/>
+              <a:t>Measure strength or the relationship -1 to +1. </a:t>
+            </a:r>
+          </a:p>
+          <a:p>
+            <a:pPr lvl="1"/>
+            <a:r>
+              <a:rPr lang="en-US" dirty="0"/>
+              <a:t>-1 or +1 indicate perfect correlation – for an increase in X, you can determine the change in Y.</a:t>
+            </a:r>
+          </a:p>
+          <a:p>
+            <a:pPr lvl="1"/>
+            <a:r>
+              <a:rPr lang="en-US" dirty="0"/>
+              <a:t>Most values fall somewhere in between, 0 is no correlation, + is positive, - is negative. </a:t>
+            </a:r>
+          </a:p>
+          <a:p>
+            <a:r>
+              <a:rPr lang="en-US" dirty="0"/>
+              <a:t>Correlation is a measure of how closely tied changes in X are mirrored in Y.</a:t>
+            </a:r>
+          </a:p>
+          <a:p>
+            <a:r>
+              <a:rPr lang="en-US" dirty="0"/>
+              <a:t>Note: Perfect correlation doesn’t imply 1 to 1, the ratio can vary. </a:t>
+            </a:r>
+          </a:p>
+        </p:txBody>
+      </p:sp>
+    </p:spTree>
+    <p:extLst>
+      <p:ext uri="{BB962C8B-B14F-4D97-AF65-F5344CB8AC3E}">
+        <p14:creationId xmlns:p14="http://schemas.microsoft.com/office/powerpoint/2010/main" val="826500105"/>
+      </p:ext>
+    </p:extLst>
+  </p:cSld>
+  <p:clrMapOvr>
+    <a:masterClrMapping/>
+  </p:clrMapOvr>
+</p:sld>
+</file>
+
+<file path=ppt/slides/slide17.xml><?xml version="1.0" encoding="utf-8"?>
+<p:sld xmlns:a="http://schemas.openxmlformats.org/drawingml/2006/main" xmlns:r="http://schemas.openxmlformats.org/officeDocument/2006/relationships" xmlns:p="http://schemas.openxmlformats.org/presentationml/2006/main">
+  <p:cSld>
+    <p:spTree>
+      <p:nvGrpSpPr>
+        <p:cNvPr id="1" name=""/>
+        <p:cNvGrpSpPr/>
+        <p:nvPr/>
+      </p:nvGrpSpPr>
+      <p:grpSpPr>
+        <a:xfrm>
+          <a:off x="0" y="0"/>
+          <a:ext cx="0" cy="0"/>
+          <a:chOff x="0" y="0"/>
+          <a:chExt cx="0" cy="0"/>
+        </a:xfrm>
+      </p:grpSpPr>
+      <p:sp>
+        <p:nvSpPr>
+          <p:cNvPr id="2" name="Title 1">
+            <a:extLst>
+              <a:ext uri="{FF2B5EF4-FFF2-40B4-BE49-F238E27FC236}">
                 <a16:creationId xmlns:a16="http://schemas.microsoft.com/office/drawing/2014/main" id="{1871F086-0EF1-0145-8138-5C4FC301BDF6}"/>
               </a:ext>
             </a:extLst>
@@ -5909,26 +6059,18 @@
         <p:spPr>
           <a:xfrm>
             <a:off x="1451579" y="1982278"/>
-            <a:ext cx="9603275" cy="3450613"/>
+            <a:ext cx="9603275" cy="4071203"/>
           </a:xfrm>
         </p:spPr>
         <p:txBody>
           <a:bodyPr>
-            <a:normAutofit lnSpcReduction="10000"/>
+            <a:normAutofit/>
           </a:bodyPr>
           <a:lstStyle/>
           <a:p>
             <a:r>
               <a:rPr lang="en-US" dirty="0"/>
-              <a:t>There are a </a:t>
-            </a:r>
-            <a:r>
-              <a:rPr lang="en-US" dirty="0" err="1"/>
-              <a:t>fewdifferent</a:t>
-            </a:r>
-            <a:r>
-              <a:rPr lang="en-US" dirty="0"/>
-              <a:t> ways to measure correlation. </a:t>
+              <a:t>There are a few different ways to measure correlation. </a:t>
             </a:r>
           </a:p>
           <a:p>
@@ -5999,7 +6141,7 @@
 </p:sld>
 </file>
 
-<file path=ppt/slides/slide17.xml><?xml version="1.0" encoding="utf-8"?>
+<file path=ppt/slides/slide18.xml><?xml version="1.0" encoding="utf-8"?>
 <p:sld xmlns:a="http://schemas.openxmlformats.org/drawingml/2006/main" xmlns:r="http://schemas.openxmlformats.org/officeDocument/2006/relationships" xmlns:p="http://schemas.openxmlformats.org/presentationml/2006/main">
   <p:cSld>
     <p:spTree>
@@ -6126,7 +6268,7 @@
 </p:sld>
 </file>
 
-<file path=ppt/slides/slide18.xml><?xml version="1.0" encoding="utf-8"?>
+<file path=ppt/slides/slide19.xml><?xml version="1.0" encoding="utf-8"?>
 <p:sld xmlns:a="http://schemas.openxmlformats.org/drawingml/2006/main" xmlns:r="http://schemas.openxmlformats.org/officeDocument/2006/relationships" xmlns:p="http://schemas.openxmlformats.org/presentationml/2006/main">
   <p:cSld>
     <p:spTree>
@@ -6253,33 +6395,9 @@
 </p:sld>
 </file>
 
-<file path=ppt/slides/slide19.xml><?xml version="1.0" encoding="utf-8"?>
+<file path=ppt/slides/slide2.xml><?xml version="1.0" encoding="utf-8"?>
 <p:sld xmlns:a="http://schemas.openxmlformats.org/drawingml/2006/main" xmlns:r="http://schemas.openxmlformats.org/officeDocument/2006/relationships" xmlns:p="http://schemas.openxmlformats.org/presentationml/2006/main">
   <p:cSld>
-    <p:bg>
-      <p:bgPr>
-        <a:gradFill rotWithShape="1">
-          <a:gsLst>
-            <a:gs pos="0">
-              <a:schemeClr val="bg2">
-                <a:tint val="94000"/>
-                <a:satMod val="80000"/>
-                <a:lumMod val="106000"/>
-              </a:schemeClr>
-            </a:gs>
-            <a:gs pos="100000">
-              <a:schemeClr val="bg2">
-                <a:shade val="80000"/>
-              </a:schemeClr>
-            </a:gs>
-          </a:gsLst>
-          <a:path path="circle">
-            <a:fillToRect l="43000" r="43000" b="100000"/>
-          </a:path>
-        </a:gradFill>
-        <a:effectLst/>
-      </p:bgPr>
-    </p:bg>
     <p:spTree>
       <p:nvGrpSpPr>
         <p:cNvPr id="1" name=""/>
@@ -6299,7 +6417,7 @@
           <p:cNvPr id="2" name="Title 1">
             <a:extLst>
               <a:ext uri="{FF2B5EF4-FFF2-40B4-BE49-F238E27FC236}">
-                <a16:creationId xmlns:a16="http://schemas.microsoft.com/office/drawing/2014/main" id="{245D5FA9-206D-FF4A-A210-53C278A9080F}"/>
+                <a16:creationId xmlns:a16="http://schemas.microsoft.com/office/drawing/2014/main" id="{85EF1937-E62A-8A41-E3ED-648781D047FE}"/>
               </a:ext>
             </a:extLst>
           </p:cNvPr>
@@ -6312,19 +6430,17 @@
         </p:nvSpPr>
         <p:spPr>
           <a:xfrm>
-            <a:off x="1451579" y="804519"/>
-            <a:ext cx="9603275" cy="1049235"/>
+            <a:off x="1" y="804519"/>
+            <a:ext cx="4609053" cy="1049235"/>
           </a:xfrm>
         </p:spPr>
         <p:txBody>
-          <a:bodyPr>
-            <a:normAutofit/>
-          </a:bodyPr>
+          <a:bodyPr/>
           <a:lstStyle/>
           <a:p>
             <a:r>
               <a:rPr lang="en-US" dirty="0"/>
-              <a:t>Non-Linear Relationships</a:t>
+              <a:t>Distributions – Remember them!</a:t>
             </a:r>
           </a:p>
         </p:txBody>
@@ -6334,7 +6450,7 @@
           <p:cNvPr id="3" name="Content Placeholder 2">
             <a:extLst>
               <a:ext uri="{FF2B5EF4-FFF2-40B4-BE49-F238E27FC236}">
-                <a16:creationId xmlns:a16="http://schemas.microsoft.com/office/drawing/2014/main" id="{55D47E4B-FA13-9C40-B986-484A5E0F66FB}"/>
+                <a16:creationId xmlns:a16="http://schemas.microsoft.com/office/drawing/2014/main" id="{71416A7E-B934-4CA7-F429-3B1C2EDEB58F}"/>
               </a:ext>
             </a:extLst>
           </p:cNvPr>
@@ -6347,63 +6463,60 @@
         </p:nvSpPr>
         <p:spPr>
           <a:xfrm>
-            <a:off x="86264" y="2015734"/>
-            <a:ext cx="4634018" cy="4037747"/>
+            <a:off x="0" y="1853754"/>
+            <a:ext cx="4609055" cy="4294798"/>
           </a:xfrm>
         </p:spPr>
         <p:txBody>
-          <a:bodyPr>
-            <a:normAutofit/>
-          </a:bodyPr>
+          <a:bodyPr/>
           <a:lstStyle/>
           <a:p>
             <a:r>
               <a:rPr lang="en-US" dirty="0"/>
-              <a:t>Correlation calculations are more reliable with linear relationships. </a:t>
+              <a:t>Recall the idea of a distribution – the ‘shape’ of any variable over its range. </a:t>
+            </a:r>
+          </a:p>
+          <a:p>
+            <a:r>
+              <a:rPr lang="en-US" dirty="0"/>
+              <a:t>Helps us understand where our data lies – grouped tightly, spread, random, normal, </a:t>
+            </a:r>
+            <a:r>
+              <a:rPr lang="en-US" dirty="0" err="1"/>
+              <a:t>etc</a:t>
+            </a:r>
+            <a:r>
+              <a:rPr lang="en-US" dirty="0"/>
+              <a:t>…</a:t>
+            </a:r>
+          </a:p>
+          <a:p>
+            <a:r>
+              <a:rPr lang="en-US" dirty="0"/>
+              <a:t>We use mainly to understand the data. </a:t>
+            </a:r>
+          </a:p>
+          <a:p>
+            <a:r>
+              <a:rPr lang="en-US" dirty="0"/>
+              <a:t>Statisticians can use them for other purposes as well. </a:t>
             </a:r>
           </a:p>
           <a:p>
             <a:pPr lvl="1"/>
             <a:r>
               <a:rPr lang="en-US" dirty="0"/>
-              <a:t>The Pearson correlation is a linear relationship. Modeling a curve with a line loses some information. </a:t>
-            </a:r>
-          </a:p>
-          <a:p>
-            <a:r>
-              <a:rPr lang="en-US" dirty="0"/>
-              <a:t>Tools to deal:</a:t>
-            </a:r>
-          </a:p>
-          <a:p>
-            <a:pPr lvl="1"/>
-            <a:r>
-              <a:rPr lang="en-US" dirty="0"/>
-              <a:t>Transformations.</a:t>
-            </a:r>
-          </a:p>
-          <a:p>
-            <a:pPr lvl="1"/>
-            <a:r>
-              <a:rPr lang="en-US" dirty="0"/>
-              <a:t>Different metric for correlation. </a:t>
-            </a:r>
-          </a:p>
-          <a:p>
-            <a:pPr lvl="1"/>
-            <a:r>
-              <a:rPr lang="en-US" dirty="0"/>
-              <a:t>Complex non-linear correlations – packages with estimation algorithms. </a:t>
+              <a:t>This is mostly for context. </a:t>
             </a:r>
           </a:p>
         </p:txBody>
       </p:sp>
       <p:pic>
         <p:nvPicPr>
-          <p:cNvPr id="9218" name="Picture 2" descr="Exponential Linear Regression | Real Statistics Using Excel">
+          <p:cNvPr id="3074" name="Picture 2" descr="9 key probability distributions in data science: Easy explanation | Data  Science Dojo">
             <a:extLst>
               <a:ext uri="{FF2B5EF4-FFF2-40B4-BE49-F238E27FC236}">
-                <a16:creationId xmlns:a16="http://schemas.microsoft.com/office/drawing/2014/main" id="{5C0B934E-557E-3B41-84F6-F9A51AD2FF78}"/>
+                <a16:creationId xmlns:a16="http://schemas.microsoft.com/office/drawing/2014/main" id="{A8A53120-F195-3CD1-29F9-2B30625C8760}"/>
               </a:ext>
             </a:extLst>
           </p:cNvPr>
@@ -6412,7 +6525,7 @@
           </p:cNvPicPr>
           <p:nvPr/>
         </p:nvPicPr>
-        <p:blipFill>
+        <p:blipFill rotWithShape="1">
           <a:blip r:embed="rId2">
             <a:extLst>
               <a:ext uri="{28A0092B-C50C-407E-A947-70E740481C1C}">
@@ -6420,14 +6533,13 @@
               </a:ext>
             </a:extLst>
           </a:blip>
-          <a:stretch>
-            <a:fillRect/>
-          </a:stretch>
+          <a:srcRect l="8928" t="11731" r="5555" b="10038"/>
+          <a:stretch/>
         </p:blipFill>
         <p:spPr bwMode="auto">
           <a:xfrm>
-            <a:off x="4720281" y="2582562"/>
-            <a:ext cx="7561482" cy="2362963"/>
+            <a:off x="4609054" y="0"/>
+            <a:ext cx="7582946" cy="6936828"/>
           </a:xfrm>
           <a:prstGeom prst="rect">
             <a:avLst/>
@@ -6447,184 +6559,7 @@
     </p:spTree>
     <p:extLst>
       <p:ext uri="{BB962C8B-B14F-4D97-AF65-F5344CB8AC3E}">
-        <p14:creationId xmlns:p14="http://schemas.microsoft.com/office/powerpoint/2010/main" val="1210404024"/>
-      </p:ext>
-    </p:extLst>
-  </p:cSld>
-  <p:clrMapOvr>
-    <a:masterClrMapping/>
-  </p:clrMapOvr>
-</p:sld>
-</file>
-
-<file path=ppt/slides/slide2.xml><?xml version="1.0" encoding="utf-8"?>
-<p:sld xmlns:a="http://schemas.openxmlformats.org/drawingml/2006/main" xmlns:r="http://schemas.openxmlformats.org/officeDocument/2006/relationships" xmlns:p="http://schemas.openxmlformats.org/presentationml/2006/main">
-  <p:cSld>
-    <p:spTree>
-      <p:nvGrpSpPr>
-        <p:cNvPr id="1" name=""/>
-        <p:cNvGrpSpPr/>
-        <p:nvPr/>
-      </p:nvGrpSpPr>
-      <p:grpSpPr>
-        <a:xfrm>
-          <a:off x="0" y="0"/>
-          <a:ext cx="0" cy="0"/>
-          <a:chOff x="0" y="0"/>
-          <a:chExt cx="0" cy="0"/>
-        </a:xfrm>
-      </p:grpSpPr>
-      <p:sp>
-        <p:nvSpPr>
-          <p:cNvPr id="2" name="Title 1">
-            <a:extLst>
-              <a:ext uri="{FF2B5EF4-FFF2-40B4-BE49-F238E27FC236}">
-                <a16:creationId xmlns:a16="http://schemas.microsoft.com/office/drawing/2014/main" id="{1E37A66B-C7AD-75AB-5D06-6A6448BDCCBE}"/>
-              </a:ext>
-            </a:extLst>
-          </p:cNvPr>
-          <p:cNvSpPr>
-            <a:spLocks noGrp="1"/>
-          </p:cNvSpPr>
-          <p:nvPr>
-            <p:ph type="title"/>
-          </p:nvPr>
-        </p:nvSpPr>
-        <p:spPr/>
-        <p:txBody>
-          <a:bodyPr/>
-          <a:lstStyle/>
-          <a:p>
-            <a:r>
-              <a:rPr lang="en-US" dirty="0"/>
-              <a:t>Using Distributions – in Reality</a:t>
-            </a:r>
-          </a:p>
-        </p:txBody>
-      </p:sp>
-      <p:sp>
-        <p:nvSpPr>
-          <p:cNvPr id="3" name="Content Placeholder 2">
-            <a:extLst>
-              <a:ext uri="{FF2B5EF4-FFF2-40B4-BE49-F238E27FC236}">
-                <a16:creationId xmlns:a16="http://schemas.microsoft.com/office/drawing/2014/main" id="{B0076EB3-B246-44E6-E479-C8033EA3C01B}"/>
-              </a:ext>
-            </a:extLst>
-          </p:cNvPr>
-          <p:cNvSpPr>
-            <a:spLocks noGrp="1"/>
-          </p:cNvSpPr>
-          <p:nvPr>
-            <p:ph idx="1"/>
-          </p:nvPr>
-        </p:nvSpPr>
-        <p:spPr>
-          <a:xfrm>
-            <a:off x="500333" y="1853754"/>
-            <a:ext cx="10554522" cy="4199727"/>
-          </a:xfrm>
-        </p:spPr>
-        <p:txBody>
-          <a:bodyPr>
-            <a:normAutofit/>
-          </a:bodyPr>
-          <a:lstStyle/>
-          <a:p>
-            <a:r>
-              <a:rPr lang="en-US" dirty="0"/>
-              <a:t>I’ve done one thing that directly involves basic stats for a real use. </a:t>
-            </a:r>
-          </a:p>
-          <a:p>
-            <a:r>
-              <a:rPr lang="en-US" dirty="0"/>
-              <a:t>Course evaluations at ATB (the bank).</a:t>
-            </a:r>
-          </a:p>
-          <a:p>
-            <a:r>
-              <a:rPr lang="en-US" dirty="0"/>
-              <a:t>Course evaluations were a mess, we improved by:</a:t>
-            </a:r>
-          </a:p>
-          <a:p>
-            <a:pPr lvl="1"/>
-            <a:r>
-              <a:rPr lang="en-US" dirty="0"/>
-              <a:t>Standardizing questions (e.g. “the location was good”, ”the instructor was effective”, </a:t>
-            </a:r>
-            <a:r>
-              <a:rPr lang="en-US" dirty="0" err="1"/>
-              <a:t>etc</a:t>
-            </a:r>
-            <a:r>
-              <a:rPr lang="en-US" dirty="0"/>
-              <a:t>…)</a:t>
-            </a:r>
-          </a:p>
-          <a:p>
-            <a:pPr lvl="1"/>
-            <a:r>
-              <a:rPr lang="en-US" dirty="0"/>
-              <a:t>Standardizing scale on a 4 </a:t>
-            </a:r>
-            <a:r>
-              <a:rPr lang="en-US" dirty="0" err="1"/>
-              <a:t>pt</a:t>
-            </a:r>
-            <a:r>
-              <a:rPr lang="en-US" dirty="0"/>
-              <a:t> scale. </a:t>
-            </a:r>
-          </a:p>
-          <a:p>
-            <a:r>
-              <a:rPr lang="en-US" dirty="0"/>
-              <a:t>This led to data that could be consolidated into a dataset:</a:t>
-            </a:r>
-          </a:p>
-          <a:p>
-            <a:pPr lvl="1"/>
-            <a:r>
-              <a:rPr lang="en-US" dirty="0"/>
-              <a:t>Each row is one response. </a:t>
-            </a:r>
-          </a:p>
-          <a:p>
-            <a:pPr lvl="1"/>
-            <a:r>
-              <a:rPr lang="en-US" dirty="0"/>
-              <a:t>Each column is one value/feature/variable:</a:t>
-            </a:r>
-          </a:p>
-          <a:p>
-            <a:pPr lvl="2"/>
-            <a:r>
-              <a:rPr lang="en-US" dirty="0"/>
-              <a:t>Some are demographic categorical – instructor, location, course, </a:t>
-            </a:r>
-            <a:r>
-              <a:rPr lang="en-US" dirty="0" err="1"/>
-              <a:t>etc</a:t>
-            </a:r>
-            <a:r>
-              <a:rPr lang="en-US" dirty="0"/>
-              <a:t>…</a:t>
-            </a:r>
-          </a:p>
-          <a:p>
-            <a:pPr lvl="2"/>
-            <a:r>
-              <a:rPr lang="en-US" dirty="0"/>
-              <a:t>Some are numerical scores – each question response. </a:t>
-            </a:r>
-          </a:p>
-        </p:txBody>
-      </p:sp>
-    </p:spTree>
-    <p:extLst>
-      <p:ext uri="{BB962C8B-B14F-4D97-AF65-F5344CB8AC3E}">
-        <p14:creationId xmlns:p14="http://schemas.microsoft.com/office/powerpoint/2010/main" val="27960617"/>
+        <p14:creationId xmlns:p14="http://schemas.microsoft.com/office/powerpoint/2010/main" val="3289502984"/>
       </p:ext>
     </p:extLst>
   </p:cSld>
@@ -6680,6 +6615,210 @@
           <p:cNvPr id="2" name="Title 1">
             <a:extLst>
               <a:ext uri="{FF2B5EF4-FFF2-40B4-BE49-F238E27FC236}">
+                <a16:creationId xmlns:a16="http://schemas.microsoft.com/office/drawing/2014/main" id="{245D5FA9-206D-FF4A-A210-53C278A9080F}"/>
+              </a:ext>
+            </a:extLst>
+          </p:cNvPr>
+          <p:cNvSpPr>
+            <a:spLocks noGrp="1"/>
+          </p:cNvSpPr>
+          <p:nvPr>
+            <p:ph type="title"/>
+          </p:nvPr>
+        </p:nvSpPr>
+        <p:spPr>
+          <a:xfrm>
+            <a:off x="1451579" y="804519"/>
+            <a:ext cx="9603275" cy="1049235"/>
+          </a:xfrm>
+        </p:spPr>
+        <p:txBody>
+          <a:bodyPr>
+            <a:normAutofit/>
+          </a:bodyPr>
+          <a:lstStyle/>
+          <a:p>
+            <a:r>
+              <a:rPr lang="en-US" dirty="0"/>
+              <a:t>Non-Linear Relationships</a:t>
+            </a:r>
+          </a:p>
+        </p:txBody>
+      </p:sp>
+      <p:sp>
+        <p:nvSpPr>
+          <p:cNvPr id="3" name="Content Placeholder 2">
+            <a:extLst>
+              <a:ext uri="{FF2B5EF4-FFF2-40B4-BE49-F238E27FC236}">
+                <a16:creationId xmlns:a16="http://schemas.microsoft.com/office/drawing/2014/main" id="{55D47E4B-FA13-9C40-B986-484A5E0F66FB}"/>
+              </a:ext>
+            </a:extLst>
+          </p:cNvPr>
+          <p:cNvSpPr>
+            <a:spLocks noGrp="1"/>
+          </p:cNvSpPr>
+          <p:nvPr>
+            <p:ph idx="1"/>
+          </p:nvPr>
+        </p:nvSpPr>
+        <p:spPr>
+          <a:xfrm>
+            <a:off x="86264" y="2015734"/>
+            <a:ext cx="4634018" cy="4037747"/>
+          </a:xfrm>
+        </p:spPr>
+        <p:txBody>
+          <a:bodyPr>
+            <a:normAutofit/>
+          </a:bodyPr>
+          <a:lstStyle/>
+          <a:p>
+            <a:r>
+              <a:rPr lang="en-US" dirty="0"/>
+              <a:t>Correlation calculations are more reliable with linear relationships. </a:t>
+            </a:r>
+          </a:p>
+          <a:p>
+            <a:pPr lvl="1"/>
+            <a:r>
+              <a:rPr lang="en-US" dirty="0"/>
+              <a:t>The Pearson correlation is a linear relationship. Modeling a curve with a line loses some information. </a:t>
+            </a:r>
+          </a:p>
+          <a:p>
+            <a:r>
+              <a:rPr lang="en-US" dirty="0"/>
+              <a:t>Tools to deal:</a:t>
+            </a:r>
+          </a:p>
+          <a:p>
+            <a:pPr lvl="1"/>
+            <a:r>
+              <a:rPr lang="en-US" dirty="0"/>
+              <a:t>Transformations.</a:t>
+            </a:r>
+          </a:p>
+          <a:p>
+            <a:pPr lvl="1"/>
+            <a:r>
+              <a:rPr lang="en-US" dirty="0"/>
+              <a:t>Different metric for correlation. </a:t>
+            </a:r>
+          </a:p>
+          <a:p>
+            <a:pPr lvl="1"/>
+            <a:r>
+              <a:rPr lang="en-US" dirty="0"/>
+              <a:t>Complex non-linear correlations – packages with estimation algorithms. </a:t>
+            </a:r>
+          </a:p>
+        </p:txBody>
+      </p:sp>
+      <p:pic>
+        <p:nvPicPr>
+          <p:cNvPr id="9218" name="Picture 2" descr="Exponential Linear Regression | Real Statistics Using Excel">
+            <a:extLst>
+              <a:ext uri="{FF2B5EF4-FFF2-40B4-BE49-F238E27FC236}">
+                <a16:creationId xmlns:a16="http://schemas.microsoft.com/office/drawing/2014/main" id="{5C0B934E-557E-3B41-84F6-F9A51AD2FF78}"/>
+              </a:ext>
+            </a:extLst>
+          </p:cNvPr>
+          <p:cNvPicPr>
+            <a:picLocks noChangeAspect="1" noChangeArrowheads="1"/>
+          </p:cNvPicPr>
+          <p:nvPr/>
+        </p:nvPicPr>
+        <p:blipFill>
+          <a:blip r:embed="rId2">
+            <a:extLst>
+              <a:ext uri="{28A0092B-C50C-407E-A947-70E740481C1C}">
+                <a14:useLocalDpi xmlns:a14="http://schemas.microsoft.com/office/drawing/2010/main" val="0"/>
+              </a:ext>
+            </a:extLst>
+          </a:blip>
+          <a:stretch>
+            <a:fillRect/>
+          </a:stretch>
+        </p:blipFill>
+        <p:spPr bwMode="auto">
+          <a:xfrm>
+            <a:off x="4720281" y="2582562"/>
+            <a:ext cx="7561482" cy="2362963"/>
+          </a:xfrm>
+          <a:prstGeom prst="rect">
+            <a:avLst/>
+          </a:prstGeom>
+          <a:noFill/>
+          <a:extLst>
+            <a:ext uri="{909E8E84-426E-40DD-AFC4-6F175D3DCCD1}">
+              <a14:hiddenFill xmlns:a14="http://schemas.microsoft.com/office/drawing/2010/main">
+                <a:solidFill>
+                  <a:srgbClr val="FFFFFF"/>
+                </a:solidFill>
+              </a14:hiddenFill>
+            </a:ext>
+          </a:extLst>
+        </p:spPr>
+      </p:pic>
+    </p:spTree>
+    <p:extLst>
+      <p:ext uri="{BB962C8B-B14F-4D97-AF65-F5344CB8AC3E}">
+        <p14:creationId xmlns:p14="http://schemas.microsoft.com/office/powerpoint/2010/main" val="1210404024"/>
+      </p:ext>
+    </p:extLst>
+  </p:cSld>
+  <p:clrMapOvr>
+    <a:masterClrMapping/>
+  </p:clrMapOvr>
+</p:sld>
+</file>
+
+<file path=ppt/slides/slide21.xml><?xml version="1.0" encoding="utf-8"?>
+<p:sld xmlns:a="http://schemas.openxmlformats.org/drawingml/2006/main" xmlns:r="http://schemas.openxmlformats.org/officeDocument/2006/relationships" xmlns:p="http://schemas.openxmlformats.org/presentationml/2006/main">
+  <p:cSld>
+    <p:bg>
+      <p:bgPr>
+        <a:gradFill rotWithShape="1">
+          <a:gsLst>
+            <a:gs pos="0">
+              <a:schemeClr val="bg2">
+                <a:tint val="94000"/>
+                <a:satMod val="80000"/>
+                <a:lumMod val="106000"/>
+              </a:schemeClr>
+            </a:gs>
+            <a:gs pos="100000">
+              <a:schemeClr val="bg2">
+                <a:shade val="80000"/>
+              </a:schemeClr>
+            </a:gs>
+          </a:gsLst>
+          <a:path path="circle">
+            <a:fillToRect l="43000" r="43000" b="100000"/>
+          </a:path>
+        </a:gradFill>
+        <a:effectLst/>
+      </p:bgPr>
+    </p:bg>
+    <p:spTree>
+      <p:nvGrpSpPr>
+        <p:cNvPr id="1" name=""/>
+        <p:cNvGrpSpPr/>
+        <p:nvPr/>
+      </p:nvGrpSpPr>
+      <p:grpSpPr>
+        <a:xfrm>
+          <a:off x="0" y="0"/>
+          <a:ext cx="0" cy="0"/>
+          <a:chOff x="0" y="0"/>
+          <a:chExt cx="0" cy="0"/>
+        </a:xfrm>
+      </p:grpSpPr>
+      <p:sp>
+        <p:nvSpPr>
+          <p:cNvPr id="2" name="Title 1">
+            <a:extLst>
+              <a:ext uri="{FF2B5EF4-FFF2-40B4-BE49-F238E27FC236}">
                 <a16:creationId xmlns:a16="http://schemas.microsoft.com/office/drawing/2014/main" id="{E490669C-A7D8-334D-B2A4-465ACFD424E3}"/>
               </a:ext>
             </a:extLst>
@@ -6822,7 +6961,7 @@
 </p:sld>
 </file>
 
-<file path=ppt/slides/slide21.xml><?xml version="1.0" encoding="utf-8"?>
+<file path=ppt/slides/slide22.xml><?xml version="1.0" encoding="utf-8"?>
 <p:sld xmlns:a="http://schemas.openxmlformats.org/drawingml/2006/main" xmlns:r="http://schemas.openxmlformats.org/officeDocument/2006/relationships" xmlns:p="http://schemas.openxmlformats.org/presentationml/2006/main">
   <p:cSld>
     <p:spTree>
@@ -6994,7 +7133,7 @@
 </p:sld>
 </file>
 
-<file path=ppt/slides/slide22.xml><?xml version="1.0" encoding="utf-8"?>
+<file path=ppt/slides/slide23.xml><?xml version="1.0" encoding="utf-8"?>
 <p:sld xmlns:a="http://schemas.openxmlformats.org/drawingml/2006/main" xmlns:r="http://schemas.openxmlformats.org/officeDocument/2006/relationships" xmlns:p="http://schemas.openxmlformats.org/presentationml/2006/main">
   <p:cSld>
     <p:bg>
@@ -7182,143 +7321,6 @@
 </p:sld>
 </file>
 
-<file path=ppt/slides/slide23.xml><?xml version="1.0" encoding="utf-8"?>
-<p:sld xmlns:a="http://schemas.openxmlformats.org/drawingml/2006/main" xmlns:r="http://schemas.openxmlformats.org/officeDocument/2006/relationships" xmlns:p="http://schemas.openxmlformats.org/presentationml/2006/main">
-  <p:cSld>
-    <p:spTree>
-      <p:nvGrpSpPr>
-        <p:cNvPr id="1" name=""/>
-        <p:cNvGrpSpPr/>
-        <p:nvPr/>
-      </p:nvGrpSpPr>
-      <p:grpSpPr>
-        <a:xfrm>
-          <a:off x="0" y="0"/>
-          <a:ext cx="0" cy="0"/>
-          <a:chOff x="0" y="0"/>
-          <a:chExt cx="0" cy="0"/>
-        </a:xfrm>
-      </p:grpSpPr>
-      <p:sp>
-        <p:nvSpPr>
-          <p:cNvPr id="2" name="Title 1">
-            <a:extLst>
-              <a:ext uri="{FF2B5EF4-FFF2-40B4-BE49-F238E27FC236}">
-                <a16:creationId xmlns:a16="http://schemas.microsoft.com/office/drawing/2014/main" id="{B31419A6-4D8F-0F46-BBF2-952825C05F7A}"/>
-              </a:ext>
-            </a:extLst>
-          </p:cNvPr>
-          <p:cNvSpPr>
-            <a:spLocks noGrp="1"/>
-          </p:cNvSpPr>
-          <p:nvPr>
-            <p:ph type="title"/>
-          </p:nvPr>
-        </p:nvSpPr>
-        <p:spPr/>
-        <p:txBody>
-          <a:bodyPr/>
-          <a:lstStyle/>
-          <a:p>
-            <a:r>
-              <a:rPr lang="en-US" dirty="0"/>
-              <a:t>Separating Correlation from Causation</a:t>
-            </a:r>
-          </a:p>
-        </p:txBody>
-      </p:sp>
-      <p:sp>
-        <p:nvSpPr>
-          <p:cNvPr id="3" name="Content Placeholder 2">
-            <a:extLst>
-              <a:ext uri="{FF2B5EF4-FFF2-40B4-BE49-F238E27FC236}">
-                <a16:creationId xmlns:a16="http://schemas.microsoft.com/office/drawing/2014/main" id="{74454D21-0C29-CB4B-A318-D420983E26CD}"/>
-              </a:ext>
-            </a:extLst>
-          </p:cNvPr>
-          <p:cNvSpPr>
-            <a:spLocks noGrp="1"/>
-          </p:cNvSpPr>
-          <p:nvPr>
-            <p:ph idx="1"/>
-          </p:nvPr>
-        </p:nvSpPr>
-        <p:spPr>
-          <a:xfrm>
-            <a:off x="1451579" y="2015732"/>
-            <a:ext cx="9603275" cy="4037749"/>
-          </a:xfrm>
-        </p:spPr>
-        <p:txBody>
-          <a:bodyPr/>
-          <a:lstStyle/>
-          <a:p>
-            <a:r>
-              <a:rPr lang="en-US" dirty="0"/>
-              <a:t>We can easily calculate correlation – it’s just math; we need evidence to show causation. </a:t>
-            </a:r>
-          </a:p>
-          <a:p>
-            <a:r>
-              <a:rPr lang="en-US" dirty="0"/>
-              <a:t>Which happens first? Do things only occur in that order?</a:t>
-            </a:r>
-          </a:p>
-          <a:p>
-            <a:pPr lvl="1"/>
-            <a:r>
-              <a:rPr lang="en-US" dirty="0"/>
-              <a:t>Pregnancies and newborns are correlated, one always happens first.</a:t>
-            </a:r>
-          </a:p>
-          <a:p>
-            <a:r>
-              <a:rPr lang="en-US" dirty="0"/>
-              <a:t>Controlled trial or experiment:</a:t>
-            </a:r>
-          </a:p>
-          <a:p>
-            <a:pPr lvl="1"/>
-            <a:r>
-              <a:rPr lang="en-US" dirty="0"/>
-              <a:t>Clinical trials – change one variable (add a drug), watch outcomes (e.g. mortality).</a:t>
-            </a:r>
-          </a:p>
-          <a:p>
-            <a:pPr lvl="1"/>
-            <a:r>
-              <a:rPr lang="en-US" dirty="0"/>
-              <a:t>Natural experiments – look for groups that have a difference. E.g. public smoking bans. </a:t>
-            </a:r>
-          </a:p>
-          <a:p>
-            <a:pPr lvl="2"/>
-            <a:r>
-              <a:rPr lang="en-US" dirty="0"/>
-              <a:t>Less likely to give clean data due to infinite number of differences. </a:t>
-            </a:r>
-          </a:p>
-          <a:p>
-            <a:r>
-              <a:rPr lang="en-US" dirty="0"/>
-              <a:t>Domain knowledge and analytical sense – there isn’t causation until we know there is. </a:t>
-            </a:r>
-          </a:p>
-        </p:txBody>
-      </p:sp>
-    </p:spTree>
-    <p:extLst>
-      <p:ext uri="{BB962C8B-B14F-4D97-AF65-F5344CB8AC3E}">
-        <p14:creationId xmlns:p14="http://schemas.microsoft.com/office/powerpoint/2010/main" val="3571588109"/>
-      </p:ext>
-    </p:extLst>
-  </p:cSld>
-  <p:clrMapOvr>
-    <a:masterClrMapping/>
-  </p:clrMapOvr>
-</p:sld>
-</file>
-
 <file path=ppt/slides/slide24.xml><?xml version="1.0" encoding="utf-8"?>
 <p:sld xmlns:a="http://schemas.openxmlformats.org/drawingml/2006/main" xmlns:r="http://schemas.openxmlformats.org/officeDocument/2006/relationships" xmlns:p="http://schemas.openxmlformats.org/presentationml/2006/main">
   <p:cSld>
@@ -7341,6 +7343,143 @@
           <p:cNvPr id="2" name="Title 1">
             <a:extLst>
               <a:ext uri="{FF2B5EF4-FFF2-40B4-BE49-F238E27FC236}">
+                <a16:creationId xmlns:a16="http://schemas.microsoft.com/office/drawing/2014/main" id="{B31419A6-4D8F-0F46-BBF2-952825C05F7A}"/>
+              </a:ext>
+            </a:extLst>
+          </p:cNvPr>
+          <p:cNvSpPr>
+            <a:spLocks noGrp="1"/>
+          </p:cNvSpPr>
+          <p:nvPr>
+            <p:ph type="title"/>
+          </p:nvPr>
+        </p:nvSpPr>
+        <p:spPr/>
+        <p:txBody>
+          <a:bodyPr/>
+          <a:lstStyle/>
+          <a:p>
+            <a:r>
+              <a:rPr lang="en-US" dirty="0"/>
+              <a:t>Separating Correlation from Causation</a:t>
+            </a:r>
+          </a:p>
+        </p:txBody>
+      </p:sp>
+      <p:sp>
+        <p:nvSpPr>
+          <p:cNvPr id="3" name="Content Placeholder 2">
+            <a:extLst>
+              <a:ext uri="{FF2B5EF4-FFF2-40B4-BE49-F238E27FC236}">
+                <a16:creationId xmlns:a16="http://schemas.microsoft.com/office/drawing/2014/main" id="{74454D21-0C29-CB4B-A318-D420983E26CD}"/>
+              </a:ext>
+            </a:extLst>
+          </p:cNvPr>
+          <p:cNvSpPr>
+            <a:spLocks noGrp="1"/>
+          </p:cNvSpPr>
+          <p:nvPr>
+            <p:ph idx="1"/>
+          </p:nvPr>
+        </p:nvSpPr>
+        <p:spPr>
+          <a:xfrm>
+            <a:off x="1451579" y="2015732"/>
+            <a:ext cx="9603275" cy="4037749"/>
+          </a:xfrm>
+        </p:spPr>
+        <p:txBody>
+          <a:bodyPr/>
+          <a:lstStyle/>
+          <a:p>
+            <a:r>
+              <a:rPr lang="en-US" dirty="0"/>
+              <a:t>We can easily calculate correlation – it’s just math; we need evidence to show causation. </a:t>
+            </a:r>
+          </a:p>
+          <a:p>
+            <a:r>
+              <a:rPr lang="en-US" dirty="0"/>
+              <a:t>Which happens first? Do things only occur in that order?</a:t>
+            </a:r>
+          </a:p>
+          <a:p>
+            <a:pPr lvl="1"/>
+            <a:r>
+              <a:rPr lang="en-US" dirty="0"/>
+              <a:t>Pregnancies and newborns are correlated, one always happens first.</a:t>
+            </a:r>
+          </a:p>
+          <a:p>
+            <a:r>
+              <a:rPr lang="en-US" dirty="0"/>
+              <a:t>Controlled trial or experiment:</a:t>
+            </a:r>
+          </a:p>
+          <a:p>
+            <a:pPr lvl="1"/>
+            <a:r>
+              <a:rPr lang="en-US" dirty="0"/>
+              <a:t>Clinical trials – change one variable (add a drug), watch outcomes (e.g. mortality).</a:t>
+            </a:r>
+          </a:p>
+          <a:p>
+            <a:pPr lvl="1"/>
+            <a:r>
+              <a:rPr lang="en-US" dirty="0"/>
+              <a:t>Natural experiments – look for groups that have a difference. E.g. public smoking bans. </a:t>
+            </a:r>
+          </a:p>
+          <a:p>
+            <a:pPr lvl="2"/>
+            <a:r>
+              <a:rPr lang="en-US" dirty="0"/>
+              <a:t>Less likely to give clean data due to infinite number of differences. </a:t>
+            </a:r>
+          </a:p>
+          <a:p>
+            <a:r>
+              <a:rPr lang="en-US" dirty="0"/>
+              <a:t>Domain knowledge and analytical sense – there isn’t causation until we know there is. </a:t>
+            </a:r>
+          </a:p>
+        </p:txBody>
+      </p:sp>
+    </p:spTree>
+    <p:extLst>
+      <p:ext uri="{BB962C8B-B14F-4D97-AF65-F5344CB8AC3E}">
+        <p14:creationId xmlns:p14="http://schemas.microsoft.com/office/powerpoint/2010/main" val="3571588109"/>
+      </p:ext>
+    </p:extLst>
+  </p:cSld>
+  <p:clrMapOvr>
+    <a:masterClrMapping/>
+  </p:clrMapOvr>
+</p:sld>
+</file>
+
+<file path=ppt/slides/slide25.xml><?xml version="1.0" encoding="utf-8"?>
+<p:sld xmlns:a="http://schemas.openxmlformats.org/drawingml/2006/main" xmlns:r="http://schemas.openxmlformats.org/officeDocument/2006/relationships" xmlns:p="http://schemas.openxmlformats.org/presentationml/2006/main">
+  <p:cSld>
+    <p:spTree>
+      <p:nvGrpSpPr>
+        <p:cNvPr id="1" name=""/>
+        <p:cNvGrpSpPr/>
+        <p:nvPr/>
+      </p:nvGrpSpPr>
+      <p:grpSpPr>
+        <a:xfrm>
+          <a:off x="0" y="0"/>
+          <a:ext cx="0" cy="0"/>
+          <a:chOff x="0" y="0"/>
+          <a:chExt cx="0" cy="0"/>
+        </a:xfrm>
+      </p:grpSpPr>
+      <p:sp>
+        <p:nvSpPr>
+          <p:cNvPr id="2" name="Title 1">
+            <a:extLst>
+              <a:ext uri="{FF2B5EF4-FFF2-40B4-BE49-F238E27FC236}">
                 <a16:creationId xmlns:a16="http://schemas.microsoft.com/office/drawing/2014/main" id="{B3792875-0481-EED0-5D0A-0226FDA121EC}"/>
               </a:ext>
             </a:extLst>
@@ -7446,7 +7585,7 @@
 </p:sld>
 </file>
 
-<file path=ppt/slides/slide25.xml><?xml version="1.0" encoding="utf-8"?>
+<file path=ppt/slides/slide26.xml><?xml version="1.0" encoding="utf-8"?>
 <p:sld xmlns:a="http://schemas.openxmlformats.org/drawingml/2006/main" xmlns:r="http://schemas.openxmlformats.org/officeDocument/2006/relationships" xmlns:p="http://schemas.openxmlformats.org/presentationml/2006/main">
   <p:cSld>
     <p:bg>
@@ -8311,7 +8450,7 @@
 </p:sld>
 </file>
 
-<file path=ppt/slides/slide26.xml><?xml version="1.0" encoding="utf-8"?>
+<file path=ppt/slides/slide27.xml><?xml version="1.0" encoding="utf-8"?>
 <p:sld xmlns:a="http://schemas.openxmlformats.org/drawingml/2006/main" xmlns:r="http://schemas.openxmlformats.org/officeDocument/2006/relationships" xmlns:p="http://schemas.openxmlformats.org/presentationml/2006/main">
   <p:cSld>
     <p:spTree>
@@ -8460,6 +8599,233 @@
           <p:cNvPr id="2" name="Title 1">
             <a:extLst>
               <a:ext uri="{FF2B5EF4-FFF2-40B4-BE49-F238E27FC236}">
+                <a16:creationId xmlns:a16="http://schemas.microsoft.com/office/drawing/2014/main" id="{1E37A66B-C7AD-75AB-5D06-6A6448BDCCBE}"/>
+              </a:ext>
+            </a:extLst>
+          </p:cNvPr>
+          <p:cNvSpPr>
+            <a:spLocks noGrp="1"/>
+          </p:cNvSpPr>
+          <p:nvPr>
+            <p:ph type="title"/>
+          </p:nvPr>
+        </p:nvSpPr>
+        <p:spPr>
+          <a:xfrm>
+            <a:off x="199698" y="804519"/>
+            <a:ext cx="7385378" cy="1049235"/>
+          </a:xfrm>
+        </p:spPr>
+        <p:txBody>
+          <a:bodyPr/>
+          <a:lstStyle/>
+          <a:p>
+            <a:r>
+              <a:rPr lang="en-US" dirty="0"/>
+              <a:t>Using Distributions – in Reality</a:t>
+            </a:r>
+          </a:p>
+        </p:txBody>
+      </p:sp>
+      <p:sp>
+        <p:nvSpPr>
+          <p:cNvPr id="3" name="Content Placeholder 2">
+            <a:extLst>
+              <a:ext uri="{FF2B5EF4-FFF2-40B4-BE49-F238E27FC236}">
+                <a16:creationId xmlns:a16="http://schemas.microsoft.com/office/drawing/2014/main" id="{B0076EB3-B246-44E6-E479-C8033EA3C01B}"/>
+              </a:ext>
+            </a:extLst>
+          </p:cNvPr>
+          <p:cNvSpPr>
+            <a:spLocks noGrp="1"/>
+          </p:cNvSpPr>
+          <p:nvPr>
+            <p:ph idx="1"/>
+          </p:nvPr>
+        </p:nvSpPr>
+        <p:spPr>
+          <a:xfrm>
+            <a:off x="199697" y="1853754"/>
+            <a:ext cx="10855158" cy="4199727"/>
+          </a:xfrm>
+        </p:spPr>
+        <p:txBody>
+          <a:bodyPr>
+            <a:normAutofit/>
+          </a:bodyPr>
+          <a:lstStyle/>
+          <a:p>
+            <a:r>
+              <a:rPr lang="en-US" dirty="0"/>
+              <a:t>I’ve done one thing that directly involves basic stats for a real use. </a:t>
+            </a:r>
+          </a:p>
+          <a:p>
+            <a:r>
+              <a:rPr lang="en-US" dirty="0"/>
+              <a:t>Course evaluations at ATB (the bank).</a:t>
+            </a:r>
+          </a:p>
+          <a:p>
+            <a:r>
+              <a:rPr lang="en-US" dirty="0"/>
+              <a:t>Course evaluations were a mess, we improved by:</a:t>
+            </a:r>
+          </a:p>
+          <a:p>
+            <a:pPr lvl="1"/>
+            <a:r>
+              <a:rPr lang="en-US" dirty="0"/>
+              <a:t>Standardizing questions (e.g. “the location was good”, ”the instructor was effective”, </a:t>
+            </a:r>
+            <a:r>
+              <a:rPr lang="en-US" dirty="0" err="1"/>
+              <a:t>etc</a:t>
+            </a:r>
+            <a:r>
+              <a:rPr lang="en-US" dirty="0"/>
+              <a:t>…)</a:t>
+            </a:r>
+          </a:p>
+          <a:p>
+            <a:pPr lvl="1"/>
+            <a:r>
+              <a:rPr lang="en-US" dirty="0"/>
+              <a:t>Standardizing scale on a 4 </a:t>
+            </a:r>
+            <a:r>
+              <a:rPr lang="en-US" dirty="0" err="1"/>
+              <a:t>pt</a:t>
+            </a:r>
+            <a:r>
+              <a:rPr lang="en-US" dirty="0"/>
+              <a:t> scale. </a:t>
+            </a:r>
+          </a:p>
+          <a:p>
+            <a:r>
+              <a:rPr lang="en-US" dirty="0"/>
+              <a:t>This led to data that could be consolidated into a dataset:</a:t>
+            </a:r>
+          </a:p>
+          <a:p>
+            <a:pPr lvl="1"/>
+            <a:r>
+              <a:rPr lang="en-US" dirty="0"/>
+              <a:t>Each row is one response. </a:t>
+            </a:r>
+          </a:p>
+          <a:p>
+            <a:pPr lvl="1"/>
+            <a:r>
+              <a:rPr lang="en-US" dirty="0"/>
+              <a:t>Each column is one value/feature/variable:</a:t>
+            </a:r>
+          </a:p>
+          <a:p>
+            <a:pPr lvl="2"/>
+            <a:r>
+              <a:rPr lang="en-US" dirty="0"/>
+              <a:t>Some are demographic categorical – instructor, location, course, </a:t>
+            </a:r>
+            <a:r>
+              <a:rPr lang="en-US" dirty="0" err="1"/>
+              <a:t>etc</a:t>
+            </a:r>
+            <a:r>
+              <a:rPr lang="en-US" dirty="0"/>
+              <a:t>…</a:t>
+            </a:r>
+          </a:p>
+          <a:p>
+            <a:pPr lvl="2"/>
+            <a:r>
+              <a:rPr lang="en-US" dirty="0"/>
+              <a:t>Some are numerical scores – each question response. </a:t>
+            </a:r>
+          </a:p>
+        </p:txBody>
+      </p:sp>
+      <p:pic>
+        <p:nvPicPr>
+          <p:cNvPr id="4098" name="Picture 2" descr="Course Evaluation Form Template | Formsite">
+            <a:extLst>
+              <a:ext uri="{FF2B5EF4-FFF2-40B4-BE49-F238E27FC236}">
+                <a16:creationId xmlns:a16="http://schemas.microsoft.com/office/drawing/2014/main" id="{03204D71-2A00-1A95-5BB0-86AB7D7EBD3D}"/>
+              </a:ext>
+            </a:extLst>
+          </p:cNvPr>
+          <p:cNvPicPr>
+            <a:picLocks noChangeAspect="1" noChangeArrowheads="1"/>
+          </p:cNvPicPr>
+          <p:nvPr/>
+        </p:nvPicPr>
+        <p:blipFill rotWithShape="1">
+          <a:blip r:embed="rId2">
+            <a:extLst>
+              <a:ext uri="{28A0092B-C50C-407E-A947-70E740481C1C}">
+                <a14:useLocalDpi xmlns:a14="http://schemas.microsoft.com/office/drawing/2010/main" val="0"/>
+              </a:ext>
+            </a:extLst>
+          </a:blip>
+          <a:srcRect t="31264" b="35173"/>
+          <a:stretch/>
+        </p:blipFill>
+        <p:spPr bwMode="auto">
+          <a:xfrm>
+            <a:off x="7585075" y="0"/>
+            <a:ext cx="4606925" cy="2301766"/>
+          </a:xfrm>
+          <a:prstGeom prst="rect">
+            <a:avLst/>
+          </a:prstGeom>
+          <a:noFill/>
+          <a:extLst>
+            <a:ext uri="{909E8E84-426E-40DD-AFC4-6F175D3DCCD1}">
+              <a14:hiddenFill xmlns:a14="http://schemas.microsoft.com/office/drawing/2010/main">
+                <a:solidFill>
+                  <a:srgbClr val="FFFFFF"/>
+                </a:solidFill>
+              </a14:hiddenFill>
+            </a:ext>
+          </a:extLst>
+        </p:spPr>
+      </p:pic>
+    </p:spTree>
+    <p:extLst>
+      <p:ext uri="{BB962C8B-B14F-4D97-AF65-F5344CB8AC3E}">
+        <p14:creationId xmlns:p14="http://schemas.microsoft.com/office/powerpoint/2010/main" val="27960617"/>
+      </p:ext>
+    </p:extLst>
+  </p:cSld>
+  <p:clrMapOvr>
+    <a:masterClrMapping/>
+  </p:clrMapOvr>
+</p:sld>
+</file>
+
+<file path=ppt/slides/slide4.xml><?xml version="1.0" encoding="utf-8"?>
+<p:sld xmlns:a="http://schemas.openxmlformats.org/drawingml/2006/main" xmlns:r="http://schemas.openxmlformats.org/officeDocument/2006/relationships" xmlns:p="http://schemas.openxmlformats.org/presentationml/2006/main">
+  <p:cSld>
+    <p:spTree>
+      <p:nvGrpSpPr>
+        <p:cNvPr id="1" name=""/>
+        <p:cNvGrpSpPr/>
+        <p:nvPr/>
+      </p:nvGrpSpPr>
+      <p:grpSpPr>
+        <a:xfrm>
+          <a:off x="0" y="0"/>
+          <a:ext cx="0" cy="0"/>
+          <a:chOff x="0" y="0"/>
+          <a:chExt cx="0" cy="0"/>
+        </a:xfrm>
+      </p:grpSpPr>
+      <p:sp>
+        <p:nvSpPr>
+          <p:cNvPr id="2" name="Title 1">
+            <a:extLst>
+              <a:ext uri="{FF2B5EF4-FFF2-40B4-BE49-F238E27FC236}">
                 <a16:creationId xmlns:a16="http://schemas.microsoft.com/office/drawing/2014/main" id="{288351A3-AEE1-E870-18BB-A99ED949639F}"/>
               </a:ext>
             </a:extLst>
@@ -8591,7 +8957,7 @@
 </p:sld>
 </file>
 
-<file path=ppt/slides/slide4.xml><?xml version="1.0" encoding="utf-8"?>
+<file path=ppt/slides/slide5.xml><?xml version="1.0" encoding="utf-8"?>
 <p:sld xmlns:a="http://schemas.openxmlformats.org/drawingml/2006/main" xmlns:r="http://schemas.openxmlformats.org/officeDocument/2006/relationships" xmlns:p="http://schemas.openxmlformats.org/presentationml/2006/main">
   <p:cSld>
     <p:spTree>
@@ -10103,7 +10469,7 @@
 </p:sld>
 </file>
 
-<file path=ppt/slides/slide5.xml><?xml version="1.0" encoding="utf-8"?>
+<file path=ppt/slides/slide6.xml><?xml version="1.0" encoding="utf-8"?>
 <p:sld xmlns:a="http://schemas.openxmlformats.org/drawingml/2006/main" xmlns:r="http://schemas.openxmlformats.org/officeDocument/2006/relationships" xmlns:p="http://schemas.openxmlformats.org/presentationml/2006/main">
   <p:cSld>
     <p:spTree>
@@ -10215,12 +10581,8 @@
           <a:p>
             <a:pPr lvl="1"/>
             <a:r>
-              <a:rPr lang="en-US" dirty="0" err="1"/>
-              <a:t>Calcualte</a:t>
-            </a:r>
-            <a:r>
-              <a:rPr lang="en-US" dirty="0"/>
-              <a:t> the mean and standard deviation for the sample we have. </a:t>
+              <a:rPr lang="en-US" dirty="0"/>
+              <a:t>Calculate the mean and standard deviation for the sample we have. </a:t>
             </a:r>
           </a:p>
           <a:p>
@@ -10252,7 +10614,7 @@
 </p:sld>
 </file>
 
-<file path=ppt/slides/slide6.xml><?xml version="1.0" encoding="utf-8"?>
+<file path=ppt/slides/slide7.xml><?xml version="1.0" encoding="utf-8"?>
 <p:sld xmlns:a="http://schemas.openxmlformats.org/drawingml/2006/main" xmlns:r="http://schemas.openxmlformats.org/officeDocument/2006/relationships" xmlns:p="http://schemas.openxmlformats.org/presentationml/2006/main">
   <p:cSld>
     <p:bg>
@@ -10585,7 +10947,7 @@
 </p:sld>
 </file>
 
-<file path=ppt/slides/slide7.xml><?xml version="1.0" encoding="utf-8"?>
+<file path=ppt/slides/slide8.xml><?xml version="1.0" encoding="utf-8"?>
 <p:sld xmlns:a="http://schemas.openxmlformats.org/drawingml/2006/main" xmlns:r="http://schemas.openxmlformats.org/officeDocument/2006/relationships" xmlns:p="http://schemas.openxmlformats.org/presentationml/2006/main">
   <p:cSld>
     <p:spTree>
@@ -10712,89 +11074,6 @@
 </p:sld>
 </file>
 
-<file path=ppt/slides/slide8.xml><?xml version="1.0" encoding="utf-8"?>
-<p:sld xmlns:a="http://schemas.openxmlformats.org/drawingml/2006/main" xmlns:r="http://schemas.openxmlformats.org/officeDocument/2006/relationships" xmlns:p="http://schemas.openxmlformats.org/presentationml/2006/main">
-  <p:cSld>
-    <p:spTree>
-      <p:nvGrpSpPr>
-        <p:cNvPr id="1" name=""/>
-        <p:cNvGrpSpPr/>
-        <p:nvPr/>
-      </p:nvGrpSpPr>
-      <p:grpSpPr>
-        <a:xfrm>
-          <a:off x="0" y="0"/>
-          <a:ext cx="0" cy="0"/>
-          <a:chOff x="0" y="0"/>
-          <a:chExt cx="0" cy="0"/>
-        </a:xfrm>
-      </p:grpSpPr>
-      <p:sp>
-        <p:nvSpPr>
-          <p:cNvPr id="2" name="Title 1">
-            <a:extLst>
-              <a:ext uri="{FF2B5EF4-FFF2-40B4-BE49-F238E27FC236}">
-                <a16:creationId xmlns:a16="http://schemas.microsoft.com/office/drawing/2014/main" id="{4CA9A427-C5C4-BC44-8BF5-D790CAB46AAB}"/>
-              </a:ext>
-            </a:extLst>
-          </p:cNvPr>
-          <p:cNvSpPr>
-            <a:spLocks noGrp="1"/>
-          </p:cNvSpPr>
-          <p:nvPr>
-            <p:ph type="ctrTitle"/>
-          </p:nvPr>
-        </p:nvSpPr>
-        <p:spPr/>
-        <p:txBody>
-          <a:bodyPr/>
-          <a:lstStyle/>
-          <a:p>
-            <a:r>
-              <a:rPr lang="en-US" dirty="0"/>
-              <a:t>Correlation</a:t>
-            </a:r>
-          </a:p>
-        </p:txBody>
-      </p:sp>
-      <p:sp>
-        <p:nvSpPr>
-          <p:cNvPr id="3" name="Subtitle 2">
-            <a:extLst>
-              <a:ext uri="{FF2B5EF4-FFF2-40B4-BE49-F238E27FC236}">
-                <a16:creationId xmlns:a16="http://schemas.microsoft.com/office/drawing/2014/main" id="{783C56BA-FDAC-4A48-977E-B7B2B20CAD72}"/>
-              </a:ext>
-            </a:extLst>
-          </p:cNvPr>
-          <p:cNvSpPr>
-            <a:spLocks noGrp="1"/>
-          </p:cNvSpPr>
-          <p:nvPr>
-            <p:ph type="subTitle" idx="1"/>
-          </p:nvPr>
-        </p:nvSpPr>
-        <p:spPr/>
-        <p:txBody>
-          <a:bodyPr/>
-          <a:lstStyle/>
-          <a:p>
-            <a:endParaRPr lang="en-US"/>
-          </a:p>
-        </p:txBody>
-      </p:sp>
-    </p:spTree>
-    <p:extLst>
-      <p:ext uri="{BB962C8B-B14F-4D97-AF65-F5344CB8AC3E}">
-        <p14:creationId xmlns:p14="http://schemas.microsoft.com/office/powerpoint/2010/main" val="709799963"/>
-      </p:ext>
-    </p:extLst>
-  </p:cSld>
-  <p:clrMapOvr>
-    <a:masterClrMapping/>
-  </p:clrMapOvr>
-</p:sld>
-</file>
-
 <file path=ppt/slides/slide9.xml><?xml version="1.0" encoding="utf-8"?>
 <p:sld xmlns:a="http://schemas.openxmlformats.org/drawingml/2006/main" xmlns:r="http://schemas.openxmlformats.org/officeDocument/2006/relationships" xmlns:p="http://schemas.openxmlformats.org/presentationml/2006/main">
   <p:cSld>
@@ -10817,7 +11096,7 @@
           <p:cNvPr id="2" name="Title 1">
             <a:extLst>
               <a:ext uri="{FF2B5EF4-FFF2-40B4-BE49-F238E27FC236}">
-                <a16:creationId xmlns:a16="http://schemas.microsoft.com/office/drawing/2014/main" id="{1E205D92-5291-B245-B7AC-076C06F93146}"/>
+                <a16:creationId xmlns:a16="http://schemas.microsoft.com/office/drawing/2014/main" id="{4CA9A427-C5C4-BC44-8BF5-D790CAB46AAB}"/>
               </a:ext>
             </a:extLst>
           </p:cNvPr>
@@ -10825,7 +11104,7 @@
             <a:spLocks noGrp="1"/>
           </p:cNvSpPr>
           <p:nvPr>
-            <p:ph type="title"/>
+            <p:ph type="ctrTitle"/>
           </p:nvPr>
         </p:nvSpPr>
         <p:spPr/>
@@ -10835,17 +11114,17 @@
           <a:p>
             <a:r>
               <a:rPr lang="en-US" dirty="0"/>
-              <a:t>Relationships between Variables</a:t>
-            </a:r>
-          </a:p>
-        </p:txBody>
-      </p:sp>
-      <p:sp>
-        <p:nvSpPr>
-          <p:cNvPr id="3" name="Content Placeholder 2">
+              <a:t>Correlation</a:t>
+            </a:r>
+          </a:p>
+        </p:txBody>
+      </p:sp>
+      <p:sp>
+        <p:nvSpPr>
+          <p:cNvPr id="3" name="Subtitle 2">
             <a:extLst>
               <a:ext uri="{FF2B5EF4-FFF2-40B4-BE49-F238E27FC236}">
-                <a16:creationId xmlns:a16="http://schemas.microsoft.com/office/drawing/2014/main" id="{475C5E76-8455-B646-9B24-CEEF2B74BE3B}"/>
+                <a16:creationId xmlns:a16="http://schemas.microsoft.com/office/drawing/2014/main" id="{783C56BA-FDAC-4A48-977E-B7B2B20CAD72}"/>
               </a:ext>
             </a:extLst>
           </p:cNvPr>
@@ -10853,70 +11132,22 @@
             <a:spLocks noGrp="1"/>
           </p:cNvSpPr>
           <p:nvPr>
-            <p:ph idx="1"/>
-          </p:nvPr>
-        </p:nvSpPr>
-        <p:spPr>
-          <a:xfrm>
-            <a:off x="1451579" y="2015732"/>
-            <a:ext cx="9603275" cy="4162044"/>
-          </a:xfrm>
-        </p:spPr>
+            <p:ph type="subTitle" idx="1"/>
+          </p:nvPr>
+        </p:nvSpPr>
+        <p:spPr/>
         <p:txBody>
           <a:bodyPr/>
           <a:lstStyle/>
           <a:p>
-            <a:r>
-              <a:rPr lang="en-US" dirty="0"/>
-              <a:t>Until now we have looked at the distribution of one value at a time.</a:t>
-            </a:r>
-          </a:p>
-          <a:p>
-            <a:pPr lvl="1"/>
-            <a:r>
-              <a:rPr lang="en-US" dirty="0"/>
-              <a:t>Distribution shape.</a:t>
-            </a:r>
-          </a:p>
-          <a:p>
-            <a:pPr lvl="1"/>
-            <a:r>
-              <a:rPr lang="en-US" dirty="0"/>
-              <a:t>Slicing variables into segments and comparing them or their effect size. </a:t>
-            </a:r>
-          </a:p>
-          <a:p>
-            <a:r>
-              <a:rPr lang="en-US" dirty="0"/>
-              <a:t>We can also look at the relationship between two variables:</a:t>
-            </a:r>
-          </a:p>
-          <a:p>
-            <a:pPr lvl="1"/>
-            <a:r>
-              <a:rPr lang="en-US" dirty="0"/>
-              <a:t>Height and weight of people have some relationship – taller people are generally heavier, but there is wide variation. </a:t>
-            </a:r>
-          </a:p>
-          <a:p>
-            <a:r>
-              <a:rPr lang="en-US" dirty="0"/>
-              <a:t>Correlation is the relationship (or dependence) between two variables.</a:t>
-            </a:r>
-          </a:p>
-          <a:p>
-            <a:pPr lvl="1"/>
-            <a:r>
-              <a:rPr lang="en-US" dirty="0"/>
-              <a:t>As one variable changes, it tells us something about the other variable.</a:t>
-            </a:r>
+            <a:endParaRPr lang="en-US"/>
           </a:p>
         </p:txBody>
       </p:sp>
     </p:spTree>
     <p:extLst>
       <p:ext uri="{BB962C8B-B14F-4D97-AF65-F5344CB8AC3E}">
-        <p14:creationId xmlns:p14="http://schemas.microsoft.com/office/powerpoint/2010/main" val="2723790849"/>
+        <p14:creationId xmlns:p14="http://schemas.microsoft.com/office/powerpoint/2010/main" val="709799963"/>
       </p:ext>
     </p:extLst>
   </p:cSld>
